--- a/growth_function.pptx
+++ b/growth_function.pptx
@@ -113,6 +113,11 @@
       </a:defRPr>
     </a:lvl9pPr>
   </p:defaultTextStyle>
+  <p:extLst>
+    <p:ext uri="{EFAFB233-063F-42B5-8137-9DF3F51BA10A}">
+      <p15:sldGuideLst xmlns:p15="http://schemas.microsoft.com/office/powerpoint/2012/main"/>
+    </p:ext>
+  </p:extLst>
 </p:presentation>
 </file>
 
@@ -1002,14 +1007,35 @@
         </dgm:presLayoutVars>
       </dgm:prSet>
       <dgm:spPr/>
+      <dgm:t>
+        <a:bodyPr/>
+        <a:lstStyle/>
+        <a:p>
+          <a:endParaRPr lang="en-US"/>
+        </a:p>
+      </dgm:t>
     </dgm:pt>
     <dgm:pt modelId="{DC246CAE-15B2-497E-8802-DB0B353F8354}" type="pres">
       <dgm:prSet presAssocID="{C0DDFBDF-88B1-4323-B213-862EF328B1B1}" presName="centerShape" presStyleLbl="node0" presStyleIdx="0" presStyleCnt="1"/>
       <dgm:spPr/>
+      <dgm:t>
+        <a:bodyPr/>
+        <a:lstStyle/>
+        <a:p>
+          <a:endParaRPr lang="en-US"/>
+        </a:p>
+      </dgm:t>
     </dgm:pt>
     <dgm:pt modelId="{613A7A6C-EC6F-4AE0-89A3-35E80729058A}" type="pres">
       <dgm:prSet presAssocID="{37F0351F-E21F-4366-9082-5C6A044A4348}" presName="parTrans" presStyleLbl="bgSibTrans2D1" presStyleIdx="0" presStyleCnt="2"/>
       <dgm:spPr/>
+      <dgm:t>
+        <a:bodyPr/>
+        <a:lstStyle/>
+        <a:p>
+          <a:endParaRPr lang="en-US"/>
+        </a:p>
+      </dgm:t>
     </dgm:pt>
     <dgm:pt modelId="{DB6CEFB5-779A-477C-8CD6-DAEBB35E46C5}" type="pres">
       <dgm:prSet presAssocID="{9DEDEBBD-8D75-4951-9CED-59747F953E68}" presName="node" presStyleLbl="node1" presStyleIdx="0" presStyleCnt="2">
@@ -1029,6 +1055,13 @@
     <dgm:pt modelId="{04435051-C33A-4A19-9BB2-100C1287B805}" type="pres">
       <dgm:prSet presAssocID="{7C80FB50-1BA0-4F80-82E5-B1475BBB17A0}" presName="parTrans" presStyleLbl="bgSibTrans2D1" presStyleIdx="1" presStyleCnt="2"/>
       <dgm:spPr/>
+      <dgm:t>
+        <a:bodyPr/>
+        <a:lstStyle/>
+        <a:p>
+          <a:endParaRPr lang="en-US"/>
+        </a:p>
+      </dgm:t>
     </dgm:pt>
     <dgm:pt modelId="{E3237364-052C-4B37-B9CF-4A5574D86F98}" type="pres">
       <dgm:prSet presAssocID="{459E9674-3BF2-4501-9D75-1506B08A8E81}" presName="node" presStyleLbl="node1" presStyleIdx="1" presStyleCnt="2">
@@ -1080,516 +1113,6 @@
       <dsp:cNvGrpSpPr/>
     </dsp:nvGrpSpPr>
     <dsp:grpSpPr/>
-    <dsp:sp modelId="{DC246CAE-15B2-497E-8802-DB0B353F8354}">
-      <dsp:nvSpPr>
-        <dsp:cNvPr id="0" name=""/>
-        <dsp:cNvSpPr/>
-      </dsp:nvSpPr>
-      <dsp:spPr>
-        <a:xfrm>
-          <a:off x="1834287" y="1392468"/>
-          <a:ext cx="1691899" cy="1691899"/>
-        </a:xfrm>
-        <a:prstGeom prst="ellipse">
-          <a:avLst/>
-        </a:prstGeom>
-        <a:gradFill rotWithShape="0">
-          <a:gsLst>
-            <a:gs pos="0">
-              <a:schemeClr val="dk2">
-                <a:hueOff val="0"/>
-                <a:satOff val="0"/>
-                <a:lumOff val="0"/>
-                <a:alphaOff val="0"/>
-                <a:shade val="51000"/>
-                <a:satMod val="130000"/>
-              </a:schemeClr>
-            </a:gs>
-            <a:gs pos="80000">
-              <a:schemeClr val="dk2">
-                <a:hueOff val="0"/>
-                <a:satOff val="0"/>
-                <a:lumOff val="0"/>
-                <a:alphaOff val="0"/>
-                <a:shade val="93000"/>
-                <a:satMod val="130000"/>
-              </a:schemeClr>
-            </a:gs>
-            <a:gs pos="100000">
-              <a:schemeClr val="dk2">
-                <a:hueOff val="0"/>
-                <a:satOff val="0"/>
-                <a:lumOff val="0"/>
-                <a:alphaOff val="0"/>
-                <a:shade val="94000"/>
-                <a:satMod val="135000"/>
-              </a:schemeClr>
-            </a:gs>
-          </a:gsLst>
-          <a:lin ang="16200000" scaled="0"/>
-        </a:gradFill>
-        <a:ln>
-          <a:noFill/>
-        </a:ln>
-        <a:effectLst>
-          <a:outerShdw blurRad="40000" dist="23000" dir="5400000" rotWithShape="0">
-            <a:srgbClr val="000000">
-              <a:alpha val="35000"/>
-            </a:srgbClr>
-          </a:outerShdw>
-        </a:effectLst>
-        <a:scene3d>
-          <a:camera prst="orthographicFront"/>
-          <a:lightRig rig="flat" dir="t"/>
-        </a:scene3d>
-        <a:sp3d prstMaterial="plastic">
-          <a:bevelT w="120900" h="88900"/>
-          <a:bevelB w="88900" h="31750" prst="angle"/>
-        </a:sp3d>
-      </dsp:spPr>
-      <dsp:style>
-        <a:lnRef idx="0">
-          <a:scrgbClr r="0" g="0" b="0"/>
-        </a:lnRef>
-        <a:fillRef idx="3">
-          <a:scrgbClr r="0" g="0" b="0"/>
-        </a:fillRef>
-        <a:effectRef idx="2">
-          <a:scrgbClr r="0" g="0" b="0"/>
-        </a:effectRef>
-        <a:fontRef idx="minor">
-          <a:schemeClr val="lt1"/>
-        </a:fontRef>
-      </dsp:style>
-      <dsp:txBody>
-        <a:bodyPr spcFirstLastPara="0" vert="horz" wrap="square" lIns="13335" tIns="13335" rIns="13335" bIns="13335" numCol="1" spcCol="1270" anchor="ctr" anchorCtr="0">
-          <a:noAutofit/>
-        </a:bodyPr>
-        <a:lstStyle/>
-        <a:p>
-          <a:pPr lvl="0" algn="ctr" defTabSz="933450">
-            <a:lnSpc>
-              <a:spcPct val="90000"/>
-            </a:lnSpc>
-            <a:spcBef>
-              <a:spcPct val="0"/>
-            </a:spcBef>
-            <a:spcAft>
-              <a:spcPct val="35000"/>
-            </a:spcAft>
-          </a:pPr>
-          <a:r>
-            <a:rPr lang="en-US" sz="2100" kern="1200" dirty="0" smtClean="0"/>
-            <a:t>Efficiency</a:t>
-          </a:r>
-          <a:endParaRPr lang="en-US" sz="2100" kern="1200" dirty="0"/>
-        </a:p>
-      </dsp:txBody>
-      <dsp:txXfrm>
-        <a:off x="2082060" y="1640241"/>
-        <a:ext cx="1196353" cy="1196353"/>
-      </dsp:txXfrm>
-    </dsp:sp>
-    <dsp:sp modelId="{613A7A6C-EC6F-4AE0-89A3-35E80729058A}">
-      <dsp:nvSpPr>
-        <dsp:cNvPr id="0" name=""/>
-        <dsp:cNvSpPr/>
-      </dsp:nvSpPr>
-      <dsp:spPr>
-        <a:xfrm rot="12900000">
-          <a:off x="685718" y="1076774"/>
-          <a:ext cx="1359680" cy="482191"/>
-        </a:xfrm>
-        <a:prstGeom prst="leftArrow">
-          <a:avLst>
-            <a:gd name="adj1" fmla="val 60000"/>
-            <a:gd name="adj2" fmla="val 50000"/>
-          </a:avLst>
-        </a:prstGeom>
-        <a:gradFill rotWithShape="0">
-          <a:gsLst>
-            <a:gs pos="0">
-              <a:schemeClr val="dk2">
-                <a:tint val="60000"/>
-                <a:hueOff val="0"/>
-                <a:satOff val="0"/>
-                <a:lumOff val="0"/>
-                <a:alphaOff val="0"/>
-                <a:shade val="51000"/>
-                <a:satMod val="130000"/>
-              </a:schemeClr>
-            </a:gs>
-            <a:gs pos="80000">
-              <a:schemeClr val="dk2">
-                <a:tint val="60000"/>
-                <a:hueOff val="0"/>
-                <a:satOff val="0"/>
-                <a:lumOff val="0"/>
-                <a:alphaOff val="0"/>
-                <a:shade val="93000"/>
-                <a:satMod val="130000"/>
-              </a:schemeClr>
-            </a:gs>
-            <a:gs pos="100000">
-              <a:schemeClr val="dk2">
-                <a:tint val="60000"/>
-                <a:hueOff val="0"/>
-                <a:satOff val="0"/>
-                <a:lumOff val="0"/>
-                <a:alphaOff val="0"/>
-                <a:shade val="94000"/>
-                <a:satMod val="135000"/>
-              </a:schemeClr>
-            </a:gs>
-          </a:gsLst>
-          <a:lin ang="16200000" scaled="0"/>
-        </a:gradFill>
-        <a:ln>
-          <a:noFill/>
-        </a:ln>
-        <a:effectLst>
-          <a:outerShdw blurRad="40000" dist="23000" dir="5400000" rotWithShape="0">
-            <a:srgbClr val="000000">
-              <a:alpha val="35000"/>
-            </a:srgbClr>
-          </a:outerShdw>
-        </a:effectLst>
-        <a:scene3d>
-          <a:camera prst="orthographicFront"/>
-          <a:lightRig rig="flat" dir="t"/>
-        </a:scene3d>
-        <a:sp3d z="-190500" prstMaterial="plastic">
-          <a:bevelT w="50800" h="50800"/>
-          <a:bevelB w="25400" h="25400" prst="angle"/>
-        </a:sp3d>
-      </dsp:spPr>
-      <dsp:style>
-        <a:lnRef idx="0">
-          <a:scrgbClr r="0" g="0" b="0"/>
-        </a:lnRef>
-        <a:fillRef idx="3">
-          <a:scrgbClr r="0" g="0" b="0"/>
-        </a:fillRef>
-        <a:effectRef idx="2">
-          <a:scrgbClr r="0" g="0" b="0"/>
-        </a:effectRef>
-        <a:fontRef idx="minor">
-          <a:schemeClr val="lt1"/>
-        </a:fontRef>
-      </dsp:style>
-    </dsp:sp>
-    <dsp:sp modelId="{DB6CEFB5-779A-477C-8CD6-DAEBB35E46C5}">
-      <dsp:nvSpPr>
-        <dsp:cNvPr id="0" name=""/>
-        <dsp:cNvSpPr/>
-      </dsp:nvSpPr>
-      <dsp:spPr>
-        <a:xfrm>
-          <a:off x="5014" y="285008"/>
-          <a:ext cx="1607304" cy="1285843"/>
-        </a:xfrm>
-        <a:prstGeom prst="roundRect">
-          <a:avLst>
-            <a:gd name="adj" fmla="val 10000"/>
-          </a:avLst>
-        </a:prstGeom>
-        <a:gradFill rotWithShape="0">
-          <a:gsLst>
-            <a:gs pos="0">
-              <a:schemeClr val="dk2">
-                <a:hueOff val="0"/>
-                <a:satOff val="0"/>
-                <a:lumOff val="0"/>
-                <a:alphaOff val="0"/>
-                <a:shade val="51000"/>
-                <a:satMod val="130000"/>
-              </a:schemeClr>
-            </a:gs>
-            <a:gs pos="80000">
-              <a:schemeClr val="dk2">
-                <a:hueOff val="0"/>
-                <a:satOff val="0"/>
-                <a:lumOff val="0"/>
-                <a:alphaOff val="0"/>
-                <a:shade val="93000"/>
-                <a:satMod val="130000"/>
-              </a:schemeClr>
-            </a:gs>
-            <a:gs pos="100000">
-              <a:schemeClr val="dk2">
-                <a:hueOff val="0"/>
-                <a:satOff val="0"/>
-                <a:lumOff val="0"/>
-                <a:alphaOff val="0"/>
-                <a:shade val="94000"/>
-                <a:satMod val="135000"/>
-              </a:schemeClr>
-            </a:gs>
-          </a:gsLst>
-          <a:lin ang="16200000" scaled="0"/>
-        </a:gradFill>
-        <a:ln>
-          <a:noFill/>
-        </a:ln>
-        <a:effectLst>
-          <a:outerShdw blurRad="40000" dist="23000" dir="5400000" rotWithShape="0">
-            <a:srgbClr val="000000">
-              <a:alpha val="35000"/>
-            </a:srgbClr>
-          </a:outerShdw>
-        </a:effectLst>
-        <a:scene3d>
-          <a:camera prst="orthographicFront"/>
-          <a:lightRig rig="flat" dir="t"/>
-        </a:scene3d>
-        <a:sp3d prstMaterial="plastic">
-          <a:bevelT w="120900" h="88900"/>
-          <a:bevelB w="88900" h="31750" prst="angle"/>
-        </a:sp3d>
-      </dsp:spPr>
-      <dsp:style>
-        <a:lnRef idx="0">
-          <a:scrgbClr r="0" g="0" b="0"/>
-        </a:lnRef>
-        <a:fillRef idx="3">
-          <a:scrgbClr r="0" g="0" b="0"/>
-        </a:fillRef>
-        <a:effectRef idx="2">
-          <a:scrgbClr r="0" g="0" b="0"/>
-        </a:effectRef>
-        <a:fontRef idx="minor">
-          <a:schemeClr val="lt1"/>
-        </a:fontRef>
-      </dsp:style>
-      <dsp:txBody>
-        <a:bodyPr spcFirstLastPara="0" vert="horz" wrap="square" lIns="55245" tIns="55245" rIns="55245" bIns="55245" numCol="1" spcCol="1270" anchor="ctr" anchorCtr="0">
-          <a:noAutofit/>
-        </a:bodyPr>
-        <a:lstStyle/>
-        <a:p>
-          <a:pPr lvl="0" algn="ctr" defTabSz="1289050">
-            <a:lnSpc>
-              <a:spcPct val="90000"/>
-            </a:lnSpc>
-            <a:spcBef>
-              <a:spcPct val="0"/>
-            </a:spcBef>
-            <a:spcAft>
-              <a:spcPct val="35000"/>
-            </a:spcAft>
-          </a:pPr>
-          <a:r>
-            <a:rPr lang="en-US" sz="2900" kern="1200" dirty="0" smtClean="0"/>
-            <a:t>Running Time</a:t>
-          </a:r>
-          <a:endParaRPr lang="en-US" sz="2900" kern="1200" dirty="0"/>
-        </a:p>
-      </dsp:txBody>
-      <dsp:txXfrm>
-        <a:off x="42675" y="322669"/>
-        <a:ext cx="1531982" cy="1210521"/>
-      </dsp:txXfrm>
-    </dsp:sp>
-    <dsp:sp modelId="{04435051-C33A-4A19-9BB2-100C1287B805}">
-      <dsp:nvSpPr>
-        <dsp:cNvPr id="0" name=""/>
-        <dsp:cNvSpPr/>
-      </dsp:nvSpPr>
-      <dsp:spPr>
-        <a:xfrm rot="19500000">
-          <a:off x="3315074" y="1076774"/>
-          <a:ext cx="1359680" cy="482191"/>
-        </a:xfrm>
-        <a:prstGeom prst="leftArrow">
-          <a:avLst>
-            <a:gd name="adj1" fmla="val 60000"/>
-            <a:gd name="adj2" fmla="val 50000"/>
-          </a:avLst>
-        </a:prstGeom>
-        <a:gradFill rotWithShape="0">
-          <a:gsLst>
-            <a:gs pos="0">
-              <a:schemeClr val="dk2">
-                <a:tint val="60000"/>
-                <a:hueOff val="0"/>
-                <a:satOff val="0"/>
-                <a:lumOff val="0"/>
-                <a:alphaOff val="0"/>
-                <a:shade val="51000"/>
-                <a:satMod val="130000"/>
-              </a:schemeClr>
-            </a:gs>
-            <a:gs pos="80000">
-              <a:schemeClr val="dk2">
-                <a:tint val="60000"/>
-                <a:hueOff val="0"/>
-                <a:satOff val="0"/>
-                <a:lumOff val="0"/>
-                <a:alphaOff val="0"/>
-                <a:shade val="93000"/>
-                <a:satMod val="130000"/>
-              </a:schemeClr>
-            </a:gs>
-            <a:gs pos="100000">
-              <a:schemeClr val="dk2">
-                <a:tint val="60000"/>
-                <a:hueOff val="0"/>
-                <a:satOff val="0"/>
-                <a:lumOff val="0"/>
-                <a:alphaOff val="0"/>
-                <a:shade val="94000"/>
-                <a:satMod val="135000"/>
-              </a:schemeClr>
-            </a:gs>
-          </a:gsLst>
-          <a:lin ang="16200000" scaled="0"/>
-        </a:gradFill>
-        <a:ln>
-          <a:noFill/>
-        </a:ln>
-        <a:effectLst>
-          <a:outerShdw blurRad="40000" dist="23000" dir="5400000" rotWithShape="0">
-            <a:srgbClr val="000000">
-              <a:alpha val="35000"/>
-            </a:srgbClr>
-          </a:outerShdw>
-        </a:effectLst>
-        <a:scene3d>
-          <a:camera prst="orthographicFront"/>
-          <a:lightRig rig="flat" dir="t"/>
-        </a:scene3d>
-        <a:sp3d z="-190500" prstMaterial="plastic">
-          <a:bevelT w="50800" h="50800"/>
-          <a:bevelB w="25400" h="25400" prst="angle"/>
-        </a:sp3d>
-      </dsp:spPr>
-      <dsp:style>
-        <a:lnRef idx="0">
-          <a:scrgbClr r="0" g="0" b="0"/>
-        </a:lnRef>
-        <a:fillRef idx="3">
-          <a:scrgbClr r="0" g="0" b="0"/>
-        </a:fillRef>
-        <a:effectRef idx="2">
-          <a:scrgbClr r="0" g="0" b="0"/>
-        </a:effectRef>
-        <a:fontRef idx="minor">
-          <a:schemeClr val="lt1"/>
-        </a:fontRef>
-      </dsp:style>
-    </dsp:sp>
-    <dsp:sp modelId="{E3237364-052C-4B37-B9CF-4A5574D86F98}">
-      <dsp:nvSpPr>
-        <dsp:cNvPr id="0" name=""/>
-        <dsp:cNvSpPr/>
-      </dsp:nvSpPr>
-      <dsp:spPr>
-        <a:xfrm>
-          <a:off x="3748154" y="285008"/>
-          <a:ext cx="1607304" cy="1285843"/>
-        </a:xfrm>
-        <a:prstGeom prst="roundRect">
-          <a:avLst>
-            <a:gd name="adj" fmla="val 10000"/>
-          </a:avLst>
-        </a:prstGeom>
-        <a:gradFill rotWithShape="0">
-          <a:gsLst>
-            <a:gs pos="0">
-              <a:schemeClr val="dk2">
-                <a:hueOff val="0"/>
-                <a:satOff val="0"/>
-                <a:lumOff val="0"/>
-                <a:alphaOff val="0"/>
-                <a:shade val="51000"/>
-                <a:satMod val="130000"/>
-              </a:schemeClr>
-            </a:gs>
-            <a:gs pos="80000">
-              <a:schemeClr val="dk2">
-                <a:hueOff val="0"/>
-                <a:satOff val="0"/>
-                <a:lumOff val="0"/>
-                <a:alphaOff val="0"/>
-                <a:shade val="93000"/>
-                <a:satMod val="130000"/>
-              </a:schemeClr>
-            </a:gs>
-            <a:gs pos="100000">
-              <a:schemeClr val="dk2">
-                <a:hueOff val="0"/>
-                <a:satOff val="0"/>
-                <a:lumOff val="0"/>
-                <a:alphaOff val="0"/>
-                <a:shade val="94000"/>
-                <a:satMod val="135000"/>
-              </a:schemeClr>
-            </a:gs>
-          </a:gsLst>
-          <a:lin ang="16200000" scaled="0"/>
-        </a:gradFill>
-        <a:ln>
-          <a:noFill/>
-        </a:ln>
-        <a:effectLst>
-          <a:outerShdw blurRad="40000" dist="23000" dir="5400000" rotWithShape="0">
-            <a:srgbClr val="000000">
-              <a:alpha val="35000"/>
-            </a:srgbClr>
-          </a:outerShdw>
-        </a:effectLst>
-        <a:scene3d>
-          <a:camera prst="orthographicFront"/>
-          <a:lightRig rig="flat" dir="t"/>
-        </a:scene3d>
-        <a:sp3d prstMaterial="plastic">
-          <a:bevelT w="120900" h="88900"/>
-          <a:bevelB w="88900" h="31750" prst="angle"/>
-        </a:sp3d>
-      </dsp:spPr>
-      <dsp:style>
-        <a:lnRef idx="0">
-          <a:scrgbClr r="0" g="0" b="0"/>
-        </a:lnRef>
-        <a:fillRef idx="3">
-          <a:scrgbClr r="0" g="0" b="0"/>
-        </a:fillRef>
-        <a:effectRef idx="2">
-          <a:scrgbClr r="0" g="0" b="0"/>
-        </a:effectRef>
-        <a:fontRef idx="minor">
-          <a:schemeClr val="lt1"/>
-        </a:fontRef>
-      </dsp:style>
-      <dsp:txBody>
-        <a:bodyPr spcFirstLastPara="0" vert="horz" wrap="square" lIns="55245" tIns="55245" rIns="55245" bIns="55245" numCol="1" spcCol="1270" anchor="ctr" anchorCtr="0">
-          <a:noAutofit/>
-        </a:bodyPr>
-        <a:lstStyle/>
-        <a:p>
-          <a:pPr lvl="0" algn="ctr" defTabSz="1289050">
-            <a:lnSpc>
-              <a:spcPct val="90000"/>
-            </a:lnSpc>
-            <a:spcBef>
-              <a:spcPct val="0"/>
-            </a:spcBef>
-            <a:spcAft>
-              <a:spcPct val="35000"/>
-            </a:spcAft>
-          </a:pPr>
-          <a:r>
-            <a:rPr lang="en-US" sz="2900" kern="1200" dirty="0" smtClean="0"/>
-            <a:t>Space Usage</a:t>
-          </a:r>
-          <a:endParaRPr lang="en-US" sz="2900" kern="1200" dirty="0"/>
-        </a:p>
-      </dsp:txBody>
-      <dsp:txXfrm>
-        <a:off x="3785815" y="322669"/>
-        <a:ext cx="1531982" cy="1210521"/>
-      </dsp:txXfrm>
-    </dsp:sp>
   </dsp:spTree>
 </dsp:drawing>
 </file>
@@ -12020,8 +11543,8 @@
           </a:p>
         </p:txBody>
       </p:sp>
-      <mc:AlternateContent xmlns:mc="http://schemas.openxmlformats.org/markup-compatibility/2006">
-        <mc:Choice xmlns:a14="http://schemas.microsoft.com/office/drawing/2010/main" Requires="a14">
+      <mc:AlternateContent xmlns:mc="http://schemas.openxmlformats.org/markup-compatibility/2006" xmlns:a14="http://schemas.microsoft.com/office/drawing/2010/main">
+        <mc:Choice Requires="a14">
           <p:sp>
             <p:nvSpPr>
               <p:cNvPr id="3" name="Content Placeholder 2"/>
@@ -12408,7 +11931,7 @@
             </p:txBody>
           </p:sp>
         </mc:Choice>
-        <mc:Fallback>
+        <mc:Fallback xmlns="">
           <p:sp>
             <p:nvSpPr>
               <p:cNvPr id="3" name="Content Placeholder 2"/>
@@ -12510,7 +12033,32 @@
           <a:bodyPr/>
           <a:lstStyle/>
           <a:p>
-            <a:endParaRPr lang="en-US"/>
+            <a:r>
+              <a:rPr lang="en-US" dirty="0" smtClean="0"/>
+              <a:t>allows us </a:t>
+            </a:r>
+            <a:r>
+              <a:rPr lang="en-US" dirty="0"/>
+              <a:t>to analyze algorithms in terms of overall efficiency and </a:t>
+            </a:r>
+            <a:r>
+              <a:rPr lang="en-US" dirty="0" smtClean="0"/>
+              <a:t>scalability.</a:t>
+            </a:r>
+          </a:p>
+          <a:p>
+            <a:endParaRPr lang="en-US" dirty="0"/>
+          </a:p>
+          <a:p>
+            <a:r>
+              <a:rPr lang="en-US" smtClean="0"/>
+              <a:t>focuses </a:t>
+            </a:r>
+            <a:r>
+              <a:rPr lang="en-US"/>
+              <a:t>on the inherent efficiency of the algorithm and how it varies according to the size of the input.</a:t>
+            </a:r>
+            <a:endParaRPr lang="en-US" dirty="0"/>
           </a:p>
         </p:txBody>
       </p:sp>

--- a/growth_function.pptx
+++ b/growth_function.pptx
@@ -15,6 +15,7 @@
     <p:sldId id="260" r:id="rId9"/>
     <p:sldId id="262" r:id="rId10"/>
     <p:sldId id="263" r:id="rId11"/>
+    <p:sldId id="265" r:id="rId12"/>
   </p:sldIdLst>
   <p:sldSz cx="12192000" cy="6858000"/>
   <p:notesSz cx="6858000" cy="9144000"/>
@@ -1113,6 +1114,516 @@
       <dsp:cNvGrpSpPr/>
     </dsp:nvGrpSpPr>
     <dsp:grpSpPr/>
+    <dsp:sp modelId="{DC246CAE-15B2-497E-8802-DB0B353F8354}">
+      <dsp:nvSpPr>
+        <dsp:cNvPr id="0" name=""/>
+        <dsp:cNvSpPr/>
+      </dsp:nvSpPr>
+      <dsp:spPr>
+        <a:xfrm>
+          <a:off x="1834287" y="1392468"/>
+          <a:ext cx="1691899" cy="1691899"/>
+        </a:xfrm>
+        <a:prstGeom prst="ellipse">
+          <a:avLst/>
+        </a:prstGeom>
+        <a:gradFill rotWithShape="0">
+          <a:gsLst>
+            <a:gs pos="0">
+              <a:schemeClr val="dk2">
+                <a:hueOff val="0"/>
+                <a:satOff val="0"/>
+                <a:lumOff val="0"/>
+                <a:alphaOff val="0"/>
+                <a:shade val="51000"/>
+                <a:satMod val="130000"/>
+              </a:schemeClr>
+            </a:gs>
+            <a:gs pos="80000">
+              <a:schemeClr val="dk2">
+                <a:hueOff val="0"/>
+                <a:satOff val="0"/>
+                <a:lumOff val="0"/>
+                <a:alphaOff val="0"/>
+                <a:shade val="93000"/>
+                <a:satMod val="130000"/>
+              </a:schemeClr>
+            </a:gs>
+            <a:gs pos="100000">
+              <a:schemeClr val="dk2">
+                <a:hueOff val="0"/>
+                <a:satOff val="0"/>
+                <a:lumOff val="0"/>
+                <a:alphaOff val="0"/>
+                <a:shade val="94000"/>
+                <a:satMod val="135000"/>
+              </a:schemeClr>
+            </a:gs>
+          </a:gsLst>
+          <a:lin ang="16200000" scaled="0"/>
+        </a:gradFill>
+        <a:ln>
+          <a:noFill/>
+        </a:ln>
+        <a:effectLst>
+          <a:outerShdw blurRad="40000" dist="23000" dir="5400000" rotWithShape="0">
+            <a:srgbClr val="000000">
+              <a:alpha val="35000"/>
+            </a:srgbClr>
+          </a:outerShdw>
+        </a:effectLst>
+        <a:scene3d>
+          <a:camera prst="orthographicFront"/>
+          <a:lightRig rig="flat" dir="t"/>
+        </a:scene3d>
+        <a:sp3d prstMaterial="plastic">
+          <a:bevelT w="120900" h="88900"/>
+          <a:bevelB w="88900" h="31750" prst="angle"/>
+        </a:sp3d>
+      </dsp:spPr>
+      <dsp:style>
+        <a:lnRef idx="0">
+          <a:scrgbClr r="0" g="0" b="0"/>
+        </a:lnRef>
+        <a:fillRef idx="3">
+          <a:scrgbClr r="0" g="0" b="0"/>
+        </a:fillRef>
+        <a:effectRef idx="2">
+          <a:scrgbClr r="0" g="0" b="0"/>
+        </a:effectRef>
+        <a:fontRef idx="minor">
+          <a:schemeClr val="lt1"/>
+        </a:fontRef>
+      </dsp:style>
+      <dsp:txBody>
+        <a:bodyPr spcFirstLastPara="0" vert="horz" wrap="square" lIns="13335" tIns="13335" rIns="13335" bIns="13335" numCol="1" spcCol="1270" anchor="ctr" anchorCtr="0">
+          <a:noAutofit/>
+        </a:bodyPr>
+        <a:lstStyle/>
+        <a:p>
+          <a:pPr lvl="0" algn="ctr" defTabSz="933450">
+            <a:lnSpc>
+              <a:spcPct val="90000"/>
+            </a:lnSpc>
+            <a:spcBef>
+              <a:spcPct val="0"/>
+            </a:spcBef>
+            <a:spcAft>
+              <a:spcPct val="35000"/>
+            </a:spcAft>
+          </a:pPr>
+          <a:r>
+            <a:rPr lang="en-US" sz="2100" kern="1200" dirty="0" smtClean="0"/>
+            <a:t>Efficiency</a:t>
+          </a:r>
+          <a:endParaRPr lang="en-US" sz="2100" kern="1200" dirty="0"/>
+        </a:p>
+      </dsp:txBody>
+      <dsp:txXfrm>
+        <a:off x="2082060" y="1640241"/>
+        <a:ext cx="1196353" cy="1196353"/>
+      </dsp:txXfrm>
+    </dsp:sp>
+    <dsp:sp modelId="{613A7A6C-EC6F-4AE0-89A3-35E80729058A}">
+      <dsp:nvSpPr>
+        <dsp:cNvPr id="0" name=""/>
+        <dsp:cNvSpPr/>
+      </dsp:nvSpPr>
+      <dsp:spPr>
+        <a:xfrm rot="12900000">
+          <a:off x="685718" y="1076774"/>
+          <a:ext cx="1359680" cy="482191"/>
+        </a:xfrm>
+        <a:prstGeom prst="leftArrow">
+          <a:avLst>
+            <a:gd name="adj1" fmla="val 60000"/>
+            <a:gd name="adj2" fmla="val 50000"/>
+          </a:avLst>
+        </a:prstGeom>
+        <a:gradFill rotWithShape="0">
+          <a:gsLst>
+            <a:gs pos="0">
+              <a:schemeClr val="dk2">
+                <a:tint val="60000"/>
+                <a:hueOff val="0"/>
+                <a:satOff val="0"/>
+                <a:lumOff val="0"/>
+                <a:alphaOff val="0"/>
+                <a:shade val="51000"/>
+                <a:satMod val="130000"/>
+              </a:schemeClr>
+            </a:gs>
+            <a:gs pos="80000">
+              <a:schemeClr val="dk2">
+                <a:tint val="60000"/>
+                <a:hueOff val="0"/>
+                <a:satOff val="0"/>
+                <a:lumOff val="0"/>
+                <a:alphaOff val="0"/>
+                <a:shade val="93000"/>
+                <a:satMod val="130000"/>
+              </a:schemeClr>
+            </a:gs>
+            <a:gs pos="100000">
+              <a:schemeClr val="dk2">
+                <a:tint val="60000"/>
+                <a:hueOff val="0"/>
+                <a:satOff val="0"/>
+                <a:lumOff val="0"/>
+                <a:alphaOff val="0"/>
+                <a:shade val="94000"/>
+                <a:satMod val="135000"/>
+              </a:schemeClr>
+            </a:gs>
+          </a:gsLst>
+          <a:lin ang="16200000" scaled="0"/>
+        </a:gradFill>
+        <a:ln>
+          <a:noFill/>
+        </a:ln>
+        <a:effectLst>
+          <a:outerShdw blurRad="40000" dist="23000" dir="5400000" rotWithShape="0">
+            <a:srgbClr val="000000">
+              <a:alpha val="35000"/>
+            </a:srgbClr>
+          </a:outerShdw>
+        </a:effectLst>
+        <a:scene3d>
+          <a:camera prst="orthographicFront"/>
+          <a:lightRig rig="flat" dir="t"/>
+        </a:scene3d>
+        <a:sp3d z="-190500" prstMaterial="plastic">
+          <a:bevelT w="50800" h="50800"/>
+          <a:bevelB w="25400" h="25400" prst="angle"/>
+        </a:sp3d>
+      </dsp:spPr>
+      <dsp:style>
+        <a:lnRef idx="0">
+          <a:scrgbClr r="0" g="0" b="0"/>
+        </a:lnRef>
+        <a:fillRef idx="3">
+          <a:scrgbClr r="0" g="0" b="0"/>
+        </a:fillRef>
+        <a:effectRef idx="2">
+          <a:scrgbClr r="0" g="0" b="0"/>
+        </a:effectRef>
+        <a:fontRef idx="minor">
+          <a:schemeClr val="lt1"/>
+        </a:fontRef>
+      </dsp:style>
+    </dsp:sp>
+    <dsp:sp modelId="{DB6CEFB5-779A-477C-8CD6-DAEBB35E46C5}">
+      <dsp:nvSpPr>
+        <dsp:cNvPr id="0" name=""/>
+        <dsp:cNvSpPr/>
+      </dsp:nvSpPr>
+      <dsp:spPr>
+        <a:xfrm>
+          <a:off x="5014" y="285008"/>
+          <a:ext cx="1607304" cy="1285843"/>
+        </a:xfrm>
+        <a:prstGeom prst="roundRect">
+          <a:avLst>
+            <a:gd name="adj" fmla="val 10000"/>
+          </a:avLst>
+        </a:prstGeom>
+        <a:gradFill rotWithShape="0">
+          <a:gsLst>
+            <a:gs pos="0">
+              <a:schemeClr val="dk2">
+                <a:hueOff val="0"/>
+                <a:satOff val="0"/>
+                <a:lumOff val="0"/>
+                <a:alphaOff val="0"/>
+                <a:shade val="51000"/>
+                <a:satMod val="130000"/>
+              </a:schemeClr>
+            </a:gs>
+            <a:gs pos="80000">
+              <a:schemeClr val="dk2">
+                <a:hueOff val="0"/>
+                <a:satOff val="0"/>
+                <a:lumOff val="0"/>
+                <a:alphaOff val="0"/>
+                <a:shade val="93000"/>
+                <a:satMod val="130000"/>
+              </a:schemeClr>
+            </a:gs>
+            <a:gs pos="100000">
+              <a:schemeClr val="dk2">
+                <a:hueOff val="0"/>
+                <a:satOff val="0"/>
+                <a:lumOff val="0"/>
+                <a:alphaOff val="0"/>
+                <a:shade val="94000"/>
+                <a:satMod val="135000"/>
+              </a:schemeClr>
+            </a:gs>
+          </a:gsLst>
+          <a:lin ang="16200000" scaled="0"/>
+        </a:gradFill>
+        <a:ln>
+          <a:noFill/>
+        </a:ln>
+        <a:effectLst>
+          <a:outerShdw blurRad="40000" dist="23000" dir="5400000" rotWithShape="0">
+            <a:srgbClr val="000000">
+              <a:alpha val="35000"/>
+            </a:srgbClr>
+          </a:outerShdw>
+        </a:effectLst>
+        <a:scene3d>
+          <a:camera prst="orthographicFront"/>
+          <a:lightRig rig="flat" dir="t"/>
+        </a:scene3d>
+        <a:sp3d prstMaterial="plastic">
+          <a:bevelT w="120900" h="88900"/>
+          <a:bevelB w="88900" h="31750" prst="angle"/>
+        </a:sp3d>
+      </dsp:spPr>
+      <dsp:style>
+        <a:lnRef idx="0">
+          <a:scrgbClr r="0" g="0" b="0"/>
+        </a:lnRef>
+        <a:fillRef idx="3">
+          <a:scrgbClr r="0" g="0" b="0"/>
+        </a:fillRef>
+        <a:effectRef idx="2">
+          <a:scrgbClr r="0" g="0" b="0"/>
+        </a:effectRef>
+        <a:fontRef idx="minor">
+          <a:schemeClr val="lt1"/>
+        </a:fontRef>
+      </dsp:style>
+      <dsp:txBody>
+        <a:bodyPr spcFirstLastPara="0" vert="horz" wrap="square" lIns="55245" tIns="55245" rIns="55245" bIns="55245" numCol="1" spcCol="1270" anchor="ctr" anchorCtr="0">
+          <a:noAutofit/>
+        </a:bodyPr>
+        <a:lstStyle/>
+        <a:p>
+          <a:pPr lvl="0" algn="ctr" defTabSz="1289050">
+            <a:lnSpc>
+              <a:spcPct val="90000"/>
+            </a:lnSpc>
+            <a:spcBef>
+              <a:spcPct val="0"/>
+            </a:spcBef>
+            <a:spcAft>
+              <a:spcPct val="35000"/>
+            </a:spcAft>
+          </a:pPr>
+          <a:r>
+            <a:rPr lang="en-US" sz="2900" kern="1200" dirty="0" smtClean="0"/>
+            <a:t>Running Time</a:t>
+          </a:r>
+          <a:endParaRPr lang="en-US" sz="2900" kern="1200" dirty="0"/>
+        </a:p>
+      </dsp:txBody>
+      <dsp:txXfrm>
+        <a:off x="42675" y="322669"/>
+        <a:ext cx="1531982" cy="1210521"/>
+      </dsp:txXfrm>
+    </dsp:sp>
+    <dsp:sp modelId="{04435051-C33A-4A19-9BB2-100C1287B805}">
+      <dsp:nvSpPr>
+        <dsp:cNvPr id="0" name=""/>
+        <dsp:cNvSpPr/>
+      </dsp:nvSpPr>
+      <dsp:spPr>
+        <a:xfrm rot="19500000">
+          <a:off x="3315074" y="1076774"/>
+          <a:ext cx="1359680" cy="482191"/>
+        </a:xfrm>
+        <a:prstGeom prst="leftArrow">
+          <a:avLst>
+            <a:gd name="adj1" fmla="val 60000"/>
+            <a:gd name="adj2" fmla="val 50000"/>
+          </a:avLst>
+        </a:prstGeom>
+        <a:gradFill rotWithShape="0">
+          <a:gsLst>
+            <a:gs pos="0">
+              <a:schemeClr val="dk2">
+                <a:tint val="60000"/>
+                <a:hueOff val="0"/>
+                <a:satOff val="0"/>
+                <a:lumOff val="0"/>
+                <a:alphaOff val="0"/>
+                <a:shade val="51000"/>
+                <a:satMod val="130000"/>
+              </a:schemeClr>
+            </a:gs>
+            <a:gs pos="80000">
+              <a:schemeClr val="dk2">
+                <a:tint val="60000"/>
+                <a:hueOff val="0"/>
+                <a:satOff val="0"/>
+                <a:lumOff val="0"/>
+                <a:alphaOff val="0"/>
+                <a:shade val="93000"/>
+                <a:satMod val="130000"/>
+              </a:schemeClr>
+            </a:gs>
+            <a:gs pos="100000">
+              <a:schemeClr val="dk2">
+                <a:tint val="60000"/>
+                <a:hueOff val="0"/>
+                <a:satOff val="0"/>
+                <a:lumOff val="0"/>
+                <a:alphaOff val="0"/>
+                <a:shade val="94000"/>
+                <a:satMod val="135000"/>
+              </a:schemeClr>
+            </a:gs>
+          </a:gsLst>
+          <a:lin ang="16200000" scaled="0"/>
+        </a:gradFill>
+        <a:ln>
+          <a:noFill/>
+        </a:ln>
+        <a:effectLst>
+          <a:outerShdw blurRad="40000" dist="23000" dir="5400000" rotWithShape="0">
+            <a:srgbClr val="000000">
+              <a:alpha val="35000"/>
+            </a:srgbClr>
+          </a:outerShdw>
+        </a:effectLst>
+        <a:scene3d>
+          <a:camera prst="orthographicFront"/>
+          <a:lightRig rig="flat" dir="t"/>
+        </a:scene3d>
+        <a:sp3d z="-190500" prstMaterial="plastic">
+          <a:bevelT w="50800" h="50800"/>
+          <a:bevelB w="25400" h="25400" prst="angle"/>
+        </a:sp3d>
+      </dsp:spPr>
+      <dsp:style>
+        <a:lnRef idx="0">
+          <a:scrgbClr r="0" g="0" b="0"/>
+        </a:lnRef>
+        <a:fillRef idx="3">
+          <a:scrgbClr r="0" g="0" b="0"/>
+        </a:fillRef>
+        <a:effectRef idx="2">
+          <a:scrgbClr r="0" g="0" b="0"/>
+        </a:effectRef>
+        <a:fontRef idx="minor">
+          <a:schemeClr val="lt1"/>
+        </a:fontRef>
+      </dsp:style>
+    </dsp:sp>
+    <dsp:sp modelId="{E3237364-052C-4B37-B9CF-4A5574D86F98}">
+      <dsp:nvSpPr>
+        <dsp:cNvPr id="0" name=""/>
+        <dsp:cNvSpPr/>
+      </dsp:nvSpPr>
+      <dsp:spPr>
+        <a:xfrm>
+          <a:off x="3748154" y="285008"/>
+          <a:ext cx="1607304" cy="1285843"/>
+        </a:xfrm>
+        <a:prstGeom prst="roundRect">
+          <a:avLst>
+            <a:gd name="adj" fmla="val 10000"/>
+          </a:avLst>
+        </a:prstGeom>
+        <a:gradFill rotWithShape="0">
+          <a:gsLst>
+            <a:gs pos="0">
+              <a:schemeClr val="dk2">
+                <a:hueOff val="0"/>
+                <a:satOff val="0"/>
+                <a:lumOff val="0"/>
+                <a:alphaOff val="0"/>
+                <a:shade val="51000"/>
+                <a:satMod val="130000"/>
+              </a:schemeClr>
+            </a:gs>
+            <a:gs pos="80000">
+              <a:schemeClr val="dk2">
+                <a:hueOff val="0"/>
+                <a:satOff val="0"/>
+                <a:lumOff val="0"/>
+                <a:alphaOff val="0"/>
+                <a:shade val="93000"/>
+                <a:satMod val="130000"/>
+              </a:schemeClr>
+            </a:gs>
+            <a:gs pos="100000">
+              <a:schemeClr val="dk2">
+                <a:hueOff val="0"/>
+                <a:satOff val="0"/>
+                <a:lumOff val="0"/>
+                <a:alphaOff val="0"/>
+                <a:shade val="94000"/>
+                <a:satMod val="135000"/>
+              </a:schemeClr>
+            </a:gs>
+          </a:gsLst>
+          <a:lin ang="16200000" scaled="0"/>
+        </a:gradFill>
+        <a:ln>
+          <a:noFill/>
+        </a:ln>
+        <a:effectLst>
+          <a:outerShdw blurRad="40000" dist="23000" dir="5400000" rotWithShape="0">
+            <a:srgbClr val="000000">
+              <a:alpha val="35000"/>
+            </a:srgbClr>
+          </a:outerShdw>
+        </a:effectLst>
+        <a:scene3d>
+          <a:camera prst="orthographicFront"/>
+          <a:lightRig rig="flat" dir="t"/>
+        </a:scene3d>
+        <a:sp3d prstMaterial="plastic">
+          <a:bevelT w="120900" h="88900"/>
+          <a:bevelB w="88900" h="31750" prst="angle"/>
+        </a:sp3d>
+      </dsp:spPr>
+      <dsp:style>
+        <a:lnRef idx="0">
+          <a:scrgbClr r="0" g="0" b="0"/>
+        </a:lnRef>
+        <a:fillRef idx="3">
+          <a:scrgbClr r="0" g="0" b="0"/>
+        </a:fillRef>
+        <a:effectRef idx="2">
+          <a:scrgbClr r="0" g="0" b="0"/>
+        </a:effectRef>
+        <a:fontRef idx="minor">
+          <a:schemeClr val="lt1"/>
+        </a:fontRef>
+      </dsp:style>
+      <dsp:txBody>
+        <a:bodyPr spcFirstLastPara="0" vert="horz" wrap="square" lIns="55245" tIns="55245" rIns="55245" bIns="55245" numCol="1" spcCol="1270" anchor="ctr" anchorCtr="0">
+          <a:noAutofit/>
+        </a:bodyPr>
+        <a:lstStyle/>
+        <a:p>
+          <a:pPr lvl="0" algn="ctr" defTabSz="1289050">
+            <a:lnSpc>
+              <a:spcPct val="90000"/>
+            </a:lnSpc>
+            <a:spcBef>
+              <a:spcPct val="0"/>
+            </a:spcBef>
+            <a:spcAft>
+              <a:spcPct val="35000"/>
+            </a:spcAft>
+          </a:pPr>
+          <a:r>
+            <a:rPr lang="en-US" sz="2900" kern="1200" dirty="0" smtClean="0"/>
+            <a:t>Space Usage</a:t>
+          </a:r>
+          <a:endParaRPr lang="en-US" sz="2900" kern="1200" dirty="0"/>
+        </a:p>
+      </dsp:txBody>
+      <dsp:txXfrm>
+        <a:off x="3785815" y="322669"/>
+        <a:ext cx="1531982" cy="1210521"/>
+      </dsp:txXfrm>
+    </dsp:sp>
   </dsp:spTree>
 </dsp:drawing>
 </file>
@@ -9124,6 +9635,88 @@
 </p:sld>
 </file>
 
+<file path=ppt/slides/slide10.xml><?xml version="1.0" encoding="utf-8"?>
+<p:sld xmlns:a="http://schemas.openxmlformats.org/drawingml/2006/main" xmlns:r="http://schemas.openxmlformats.org/officeDocument/2006/relationships" xmlns:p="http://schemas.openxmlformats.org/presentationml/2006/main">
+  <p:cSld>
+    <p:spTree>
+      <p:nvGrpSpPr>
+        <p:cNvPr id="1" name=""/>
+        <p:cNvGrpSpPr/>
+        <p:nvPr/>
+      </p:nvGrpSpPr>
+      <p:grpSpPr>
+        <a:xfrm>
+          <a:off x="0" y="0"/>
+          <a:ext cx="0" cy="0"/>
+          <a:chOff x="0" y="0"/>
+          <a:chExt cx="0" cy="0"/>
+        </a:xfrm>
+      </p:grpSpPr>
+      <p:sp>
+        <p:nvSpPr>
+          <p:cNvPr id="2" name="Title 1"/>
+          <p:cNvSpPr>
+            <a:spLocks noGrp="1"/>
+          </p:cNvSpPr>
+          <p:nvPr>
+            <p:ph type="title"/>
+          </p:nvPr>
+        </p:nvSpPr>
+        <p:spPr/>
+        <p:txBody>
+          <a:bodyPr/>
+          <a:lstStyle/>
+          <a:p>
+            <a:r>
+              <a:rPr lang="en-US" dirty="0" smtClean="0"/>
+              <a:t>Curve</a:t>
+            </a:r>
+            <a:endParaRPr lang="en-US" dirty="0"/>
+          </a:p>
+        </p:txBody>
+      </p:sp>
+      <p:pic>
+        <p:nvPicPr>
+          <p:cNvPr id="6" name="Content Placeholder 5"/>
+          <p:cNvPicPr>
+            <a:picLocks noGrp="1" noChangeAspect="1"/>
+          </p:cNvPicPr>
+          <p:nvPr>
+            <p:ph idx="1"/>
+          </p:nvPr>
+        </p:nvPicPr>
+        <p:blipFill>
+          <a:blip r:embed="rId2" cstate="print">
+            <a:extLst>
+              <a:ext uri="{28A0092B-C50C-407E-A947-70E740481C1C}">
+                <a14:useLocalDpi xmlns:a14="http://schemas.microsoft.com/office/drawing/2010/main" val="0"/>
+              </a:ext>
+            </a:extLst>
+          </a:blip>
+          <a:stretch>
+            <a:fillRect/>
+          </a:stretch>
+        </p:blipFill>
+        <p:spPr>
+          <a:xfrm>
+            <a:off x="1257304" y="1587902"/>
+            <a:ext cx="7457037" cy="4805128"/>
+          </a:xfrm>
+        </p:spPr>
+      </p:pic>
+    </p:spTree>
+    <p:extLst>
+      <p:ext uri="{BB962C8B-B14F-4D97-AF65-F5344CB8AC3E}">
+        <p14:creationId xmlns:p14="http://schemas.microsoft.com/office/powerpoint/2010/main" val="319799291"/>
+      </p:ext>
+    </p:extLst>
+  </p:cSld>
+  <p:clrMapOvr>
+    <a:masterClrMapping/>
+  </p:clrMapOvr>
+</p:sld>
+</file>
+
 <file path=ppt/slides/slide2.xml><?xml version="1.0" encoding="utf-8"?>
 <p:sld xmlns:a="http://schemas.openxmlformats.org/drawingml/2006/main" xmlns:r="http://schemas.openxmlformats.org/officeDocument/2006/relationships" xmlns:p="http://schemas.openxmlformats.org/presentationml/2006/main">
   <p:cSld>
@@ -12051,11 +12644,11 @@
           </a:p>
           <a:p>
             <a:r>
-              <a:rPr lang="en-US" smtClean="0"/>
+              <a:rPr lang="en-US" dirty="0" smtClean="0"/>
               <a:t>focuses </a:t>
             </a:r>
             <a:r>
-              <a:rPr lang="en-US"/>
+              <a:rPr lang="en-US" dirty="0"/>
               <a:t>on the inherent efficiency of the algorithm and how it varies according to the size of the input.</a:t>
             </a:r>
             <a:endParaRPr lang="en-US" dirty="0"/>

--- a/growth_function.pptx
+++ b/growth_function.pptx
@@ -16,6 +16,7 @@
     <p:sldId id="262" r:id="rId10"/>
     <p:sldId id="263" r:id="rId11"/>
     <p:sldId id="265" r:id="rId12"/>
+    <p:sldId id="266" r:id="rId13"/>
   </p:sldIdLst>
   <p:sldSz cx="12192000" cy="6858000"/>
   <p:notesSz cx="6858000" cy="9144000"/>
@@ -1114,516 +1115,6 @@
       <dsp:cNvGrpSpPr/>
     </dsp:nvGrpSpPr>
     <dsp:grpSpPr/>
-    <dsp:sp modelId="{DC246CAE-15B2-497E-8802-DB0B353F8354}">
-      <dsp:nvSpPr>
-        <dsp:cNvPr id="0" name=""/>
-        <dsp:cNvSpPr/>
-      </dsp:nvSpPr>
-      <dsp:spPr>
-        <a:xfrm>
-          <a:off x="1834287" y="1392468"/>
-          <a:ext cx="1691899" cy="1691899"/>
-        </a:xfrm>
-        <a:prstGeom prst="ellipse">
-          <a:avLst/>
-        </a:prstGeom>
-        <a:gradFill rotWithShape="0">
-          <a:gsLst>
-            <a:gs pos="0">
-              <a:schemeClr val="dk2">
-                <a:hueOff val="0"/>
-                <a:satOff val="0"/>
-                <a:lumOff val="0"/>
-                <a:alphaOff val="0"/>
-                <a:shade val="51000"/>
-                <a:satMod val="130000"/>
-              </a:schemeClr>
-            </a:gs>
-            <a:gs pos="80000">
-              <a:schemeClr val="dk2">
-                <a:hueOff val="0"/>
-                <a:satOff val="0"/>
-                <a:lumOff val="0"/>
-                <a:alphaOff val="0"/>
-                <a:shade val="93000"/>
-                <a:satMod val="130000"/>
-              </a:schemeClr>
-            </a:gs>
-            <a:gs pos="100000">
-              <a:schemeClr val="dk2">
-                <a:hueOff val="0"/>
-                <a:satOff val="0"/>
-                <a:lumOff val="0"/>
-                <a:alphaOff val="0"/>
-                <a:shade val="94000"/>
-                <a:satMod val="135000"/>
-              </a:schemeClr>
-            </a:gs>
-          </a:gsLst>
-          <a:lin ang="16200000" scaled="0"/>
-        </a:gradFill>
-        <a:ln>
-          <a:noFill/>
-        </a:ln>
-        <a:effectLst>
-          <a:outerShdw blurRad="40000" dist="23000" dir="5400000" rotWithShape="0">
-            <a:srgbClr val="000000">
-              <a:alpha val="35000"/>
-            </a:srgbClr>
-          </a:outerShdw>
-        </a:effectLst>
-        <a:scene3d>
-          <a:camera prst="orthographicFront"/>
-          <a:lightRig rig="flat" dir="t"/>
-        </a:scene3d>
-        <a:sp3d prstMaterial="plastic">
-          <a:bevelT w="120900" h="88900"/>
-          <a:bevelB w="88900" h="31750" prst="angle"/>
-        </a:sp3d>
-      </dsp:spPr>
-      <dsp:style>
-        <a:lnRef idx="0">
-          <a:scrgbClr r="0" g="0" b="0"/>
-        </a:lnRef>
-        <a:fillRef idx="3">
-          <a:scrgbClr r="0" g="0" b="0"/>
-        </a:fillRef>
-        <a:effectRef idx="2">
-          <a:scrgbClr r="0" g="0" b="0"/>
-        </a:effectRef>
-        <a:fontRef idx="minor">
-          <a:schemeClr val="lt1"/>
-        </a:fontRef>
-      </dsp:style>
-      <dsp:txBody>
-        <a:bodyPr spcFirstLastPara="0" vert="horz" wrap="square" lIns="13335" tIns="13335" rIns="13335" bIns="13335" numCol="1" spcCol="1270" anchor="ctr" anchorCtr="0">
-          <a:noAutofit/>
-        </a:bodyPr>
-        <a:lstStyle/>
-        <a:p>
-          <a:pPr lvl="0" algn="ctr" defTabSz="933450">
-            <a:lnSpc>
-              <a:spcPct val="90000"/>
-            </a:lnSpc>
-            <a:spcBef>
-              <a:spcPct val="0"/>
-            </a:spcBef>
-            <a:spcAft>
-              <a:spcPct val="35000"/>
-            </a:spcAft>
-          </a:pPr>
-          <a:r>
-            <a:rPr lang="en-US" sz="2100" kern="1200" dirty="0" smtClean="0"/>
-            <a:t>Efficiency</a:t>
-          </a:r>
-          <a:endParaRPr lang="en-US" sz="2100" kern="1200" dirty="0"/>
-        </a:p>
-      </dsp:txBody>
-      <dsp:txXfrm>
-        <a:off x="2082060" y="1640241"/>
-        <a:ext cx="1196353" cy="1196353"/>
-      </dsp:txXfrm>
-    </dsp:sp>
-    <dsp:sp modelId="{613A7A6C-EC6F-4AE0-89A3-35E80729058A}">
-      <dsp:nvSpPr>
-        <dsp:cNvPr id="0" name=""/>
-        <dsp:cNvSpPr/>
-      </dsp:nvSpPr>
-      <dsp:spPr>
-        <a:xfrm rot="12900000">
-          <a:off x="685718" y="1076774"/>
-          <a:ext cx="1359680" cy="482191"/>
-        </a:xfrm>
-        <a:prstGeom prst="leftArrow">
-          <a:avLst>
-            <a:gd name="adj1" fmla="val 60000"/>
-            <a:gd name="adj2" fmla="val 50000"/>
-          </a:avLst>
-        </a:prstGeom>
-        <a:gradFill rotWithShape="0">
-          <a:gsLst>
-            <a:gs pos="0">
-              <a:schemeClr val="dk2">
-                <a:tint val="60000"/>
-                <a:hueOff val="0"/>
-                <a:satOff val="0"/>
-                <a:lumOff val="0"/>
-                <a:alphaOff val="0"/>
-                <a:shade val="51000"/>
-                <a:satMod val="130000"/>
-              </a:schemeClr>
-            </a:gs>
-            <a:gs pos="80000">
-              <a:schemeClr val="dk2">
-                <a:tint val="60000"/>
-                <a:hueOff val="0"/>
-                <a:satOff val="0"/>
-                <a:lumOff val="0"/>
-                <a:alphaOff val="0"/>
-                <a:shade val="93000"/>
-                <a:satMod val="130000"/>
-              </a:schemeClr>
-            </a:gs>
-            <a:gs pos="100000">
-              <a:schemeClr val="dk2">
-                <a:tint val="60000"/>
-                <a:hueOff val="0"/>
-                <a:satOff val="0"/>
-                <a:lumOff val="0"/>
-                <a:alphaOff val="0"/>
-                <a:shade val="94000"/>
-                <a:satMod val="135000"/>
-              </a:schemeClr>
-            </a:gs>
-          </a:gsLst>
-          <a:lin ang="16200000" scaled="0"/>
-        </a:gradFill>
-        <a:ln>
-          <a:noFill/>
-        </a:ln>
-        <a:effectLst>
-          <a:outerShdw blurRad="40000" dist="23000" dir="5400000" rotWithShape="0">
-            <a:srgbClr val="000000">
-              <a:alpha val="35000"/>
-            </a:srgbClr>
-          </a:outerShdw>
-        </a:effectLst>
-        <a:scene3d>
-          <a:camera prst="orthographicFront"/>
-          <a:lightRig rig="flat" dir="t"/>
-        </a:scene3d>
-        <a:sp3d z="-190500" prstMaterial="plastic">
-          <a:bevelT w="50800" h="50800"/>
-          <a:bevelB w="25400" h="25400" prst="angle"/>
-        </a:sp3d>
-      </dsp:spPr>
-      <dsp:style>
-        <a:lnRef idx="0">
-          <a:scrgbClr r="0" g="0" b="0"/>
-        </a:lnRef>
-        <a:fillRef idx="3">
-          <a:scrgbClr r="0" g="0" b="0"/>
-        </a:fillRef>
-        <a:effectRef idx="2">
-          <a:scrgbClr r="0" g="0" b="0"/>
-        </a:effectRef>
-        <a:fontRef idx="minor">
-          <a:schemeClr val="lt1"/>
-        </a:fontRef>
-      </dsp:style>
-    </dsp:sp>
-    <dsp:sp modelId="{DB6CEFB5-779A-477C-8CD6-DAEBB35E46C5}">
-      <dsp:nvSpPr>
-        <dsp:cNvPr id="0" name=""/>
-        <dsp:cNvSpPr/>
-      </dsp:nvSpPr>
-      <dsp:spPr>
-        <a:xfrm>
-          <a:off x="5014" y="285008"/>
-          <a:ext cx="1607304" cy="1285843"/>
-        </a:xfrm>
-        <a:prstGeom prst="roundRect">
-          <a:avLst>
-            <a:gd name="adj" fmla="val 10000"/>
-          </a:avLst>
-        </a:prstGeom>
-        <a:gradFill rotWithShape="0">
-          <a:gsLst>
-            <a:gs pos="0">
-              <a:schemeClr val="dk2">
-                <a:hueOff val="0"/>
-                <a:satOff val="0"/>
-                <a:lumOff val="0"/>
-                <a:alphaOff val="0"/>
-                <a:shade val="51000"/>
-                <a:satMod val="130000"/>
-              </a:schemeClr>
-            </a:gs>
-            <a:gs pos="80000">
-              <a:schemeClr val="dk2">
-                <a:hueOff val="0"/>
-                <a:satOff val="0"/>
-                <a:lumOff val="0"/>
-                <a:alphaOff val="0"/>
-                <a:shade val="93000"/>
-                <a:satMod val="130000"/>
-              </a:schemeClr>
-            </a:gs>
-            <a:gs pos="100000">
-              <a:schemeClr val="dk2">
-                <a:hueOff val="0"/>
-                <a:satOff val="0"/>
-                <a:lumOff val="0"/>
-                <a:alphaOff val="0"/>
-                <a:shade val="94000"/>
-                <a:satMod val="135000"/>
-              </a:schemeClr>
-            </a:gs>
-          </a:gsLst>
-          <a:lin ang="16200000" scaled="0"/>
-        </a:gradFill>
-        <a:ln>
-          <a:noFill/>
-        </a:ln>
-        <a:effectLst>
-          <a:outerShdw blurRad="40000" dist="23000" dir="5400000" rotWithShape="0">
-            <a:srgbClr val="000000">
-              <a:alpha val="35000"/>
-            </a:srgbClr>
-          </a:outerShdw>
-        </a:effectLst>
-        <a:scene3d>
-          <a:camera prst="orthographicFront"/>
-          <a:lightRig rig="flat" dir="t"/>
-        </a:scene3d>
-        <a:sp3d prstMaterial="plastic">
-          <a:bevelT w="120900" h="88900"/>
-          <a:bevelB w="88900" h="31750" prst="angle"/>
-        </a:sp3d>
-      </dsp:spPr>
-      <dsp:style>
-        <a:lnRef idx="0">
-          <a:scrgbClr r="0" g="0" b="0"/>
-        </a:lnRef>
-        <a:fillRef idx="3">
-          <a:scrgbClr r="0" g="0" b="0"/>
-        </a:fillRef>
-        <a:effectRef idx="2">
-          <a:scrgbClr r="0" g="0" b="0"/>
-        </a:effectRef>
-        <a:fontRef idx="minor">
-          <a:schemeClr val="lt1"/>
-        </a:fontRef>
-      </dsp:style>
-      <dsp:txBody>
-        <a:bodyPr spcFirstLastPara="0" vert="horz" wrap="square" lIns="55245" tIns="55245" rIns="55245" bIns="55245" numCol="1" spcCol="1270" anchor="ctr" anchorCtr="0">
-          <a:noAutofit/>
-        </a:bodyPr>
-        <a:lstStyle/>
-        <a:p>
-          <a:pPr lvl="0" algn="ctr" defTabSz="1289050">
-            <a:lnSpc>
-              <a:spcPct val="90000"/>
-            </a:lnSpc>
-            <a:spcBef>
-              <a:spcPct val="0"/>
-            </a:spcBef>
-            <a:spcAft>
-              <a:spcPct val="35000"/>
-            </a:spcAft>
-          </a:pPr>
-          <a:r>
-            <a:rPr lang="en-US" sz="2900" kern="1200" dirty="0" smtClean="0"/>
-            <a:t>Running Time</a:t>
-          </a:r>
-          <a:endParaRPr lang="en-US" sz="2900" kern="1200" dirty="0"/>
-        </a:p>
-      </dsp:txBody>
-      <dsp:txXfrm>
-        <a:off x="42675" y="322669"/>
-        <a:ext cx="1531982" cy="1210521"/>
-      </dsp:txXfrm>
-    </dsp:sp>
-    <dsp:sp modelId="{04435051-C33A-4A19-9BB2-100C1287B805}">
-      <dsp:nvSpPr>
-        <dsp:cNvPr id="0" name=""/>
-        <dsp:cNvSpPr/>
-      </dsp:nvSpPr>
-      <dsp:spPr>
-        <a:xfrm rot="19500000">
-          <a:off x="3315074" y="1076774"/>
-          <a:ext cx="1359680" cy="482191"/>
-        </a:xfrm>
-        <a:prstGeom prst="leftArrow">
-          <a:avLst>
-            <a:gd name="adj1" fmla="val 60000"/>
-            <a:gd name="adj2" fmla="val 50000"/>
-          </a:avLst>
-        </a:prstGeom>
-        <a:gradFill rotWithShape="0">
-          <a:gsLst>
-            <a:gs pos="0">
-              <a:schemeClr val="dk2">
-                <a:tint val="60000"/>
-                <a:hueOff val="0"/>
-                <a:satOff val="0"/>
-                <a:lumOff val="0"/>
-                <a:alphaOff val="0"/>
-                <a:shade val="51000"/>
-                <a:satMod val="130000"/>
-              </a:schemeClr>
-            </a:gs>
-            <a:gs pos="80000">
-              <a:schemeClr val="dk2">
-                <a:tint val="60000"/>
-                <a:hueOff val="0"/>
-                <a:satOff val="0"/>
-                <a:lumOff val="0"/>
-                <a:alphaOff val="0"/>
-                <a:shade val="93000"/>
-                <a:satMod val="130000"/>
-              </a:schemeClr>
-            </a:gs>
-            <a:gs pos="100000">
-              <a:schemeClr val="dk2">
-                <a:tint val="60000"/>
-                <a:hueOff val="0"/>
-                <a:satOff val="0"/>
-                <a:lumOff val="0"/>
-                <a:alphaOff val="0"/>
-                <a:shade val="94000"/>
-                <a:satMod val="135000"/>
-              </a:schemeClr>
-            </a:gs>
-          </a:gsLst>
-          <a:lin ang="16200000" scaled="0"/>
-        </a:gradFill>
-        <a:ln>
-          <a:noFill/>
-        </a:ln>
-        <a:effectLst>
-          <a:outerShdw blurRad="40000" dist="23000" dir="5400000" rotWithShape="0">
-            <a:srgbClr val="000000">
-              <a:alpha val="35000"/>
-            </a:srgbClr>
-          </a:outerShdw>
-        </a:effectLst>
-        <a:scene3d>
-          <a:camera prst="orthographicFront"/>
-          <a:lightRig rig="flat" dir="t"/>
-        </a:scene3d>
-        <a:sp3d z="-190500" prstMaterial="plastic">
-          <a:bevelT w="50800" h="50800"/>
-          <a:bevelB w="25400" h="25400" prst="angle"/>
-        </a:sp3d>
-      </dsp:spPr>
-      <dsp:style>
-        <a:lnRef idx="0">
-          <a:scrgbClr r="0" g="0" b="0"/>
-        </a:lnRef>
-        <a:fillRef idx="3">
-          <a:scrgbClr r="0" g="0" b="0"/>
-        </a:fillRef>
-        <a:effectRef idx="2">
-          <a:scrgbClr r="0" g="0" b="0"/>
-        </a:effectRef>
-        <a:fontRef idx="minor">
-          <a:schemeClr val="lt1"/>
-        </a:fontRef>
-      </dsp:style>
-    </dsp:sp>
-    <dsp:sp modelId="{E3237364-052C-4B37-B9CF-4A5574D86F98}">
-      <dsp:nvSpPr>
-        <dsp:cNvPr id="0" name=""/>
-        <dsp:cNvSpPr/>
-      </dsp:nvSpPr>
-      <dsp:spPr>
-        <a:xfrm>
-          <a:off x="3748154" y="285008"/>
-          <a:ext cx="1607304" cy="1285843"/>
-        </a:xfrm>
-        <a:prstGeom prst="roundRect">
-          <a:avLst>
-            <a:gd name="adj" fmla="val 10000"/>
-          </a:avLst>
-        </a:prstGeom>
-        <a:gradFill rotWithShape="0">
-          <a:gsLst>
-            <a:gs pos="0">
-              <a:schemeClr val="dk2">
-                <a:hueOff val="0"/>
-                <a:satOff val="0"/>
-                <a:lumOff val="0"/>
-                <a:alphaOff val="0"/>
-                <a:shade val="51000"/>
-                <a:satMod val="130000"/>
-              </a:schemeClr>
-            </a:gs>
-            <a:gs pos="80000">
-              <a:schemeClr val="dk2">
-                <a:hueOff val="0"/>
-                <a:satOff val="0"/>
-                <a:lumOff val="0"/>
-                <a:alphaOff val="0"/>
-                <a:shade val="93000"/>
-                <a:satMod val="130000"/>
-              </a:schemeClr>
-            </a:gs>
-            <a:gs pos="100000">
-              <a:schemeClr val="dk2">
-                <a:hueOff val="0"/>
-                <a:satOff val="0"/>
-                <a:lumOff val="0"/>
-                <a:alphaOff val="0"/>
-                <a:shade val="94000"/>
-                <a:satMod val="135000"/>
-              </a:schemeClr>
-            </a:gs>
-          </a:gsLst>
-          <a:lin ang="16200000" scaled="0"/>
-        </a:gradFill>
-        <a:ln>
-          <a:noFill/>
-        </a:ln>
-        <a:effectLst>
-          <a:outerShdw blurRad="40000" dist="23000" dir="5400000" rotWithShape="0">
-            <a:srgbClr val="000000">
-              <a:alpha val="35000"/>
-            </a:srgbClr>
-          </a:outerShdw>
-        </a:effectLst>
-        <a:scene3d>
-          <a:camera prst="orthographicFront"/>
-          <a:lightRig rig="flat" dir="t"/>
-        </a:scene3d>
-        <a:sp3d prstMaterial="plastic">
-          <a:bevelT w="120900" h="88900"/>
-          <a:bevelB w="88900" h="31750" prst="angle"/>
-        </a:sp3d>
-      </dsp:spPr>
-      <dsp:style>
-        <a:lnRef idx="0">
-          <a:scrgbClr r="0" g="0" b="0"/>
-        </a:lnRef>
-        <a:fillRef idx="3">
-          <a:scrgbClr r="0" g="0" b="0"/>
-        </a:fillRef>
-        <a:effectRef idx="2">
-          <a:scrgbClr r="0" g="0" b="0"/>
-        </a:effectRef>
-        <a:fontRef idx="minor">
-          <a:schemeClr val="lt1"/>
-        </a:fontRef>
-      </dsp:style>
-      <dsp:txBody>
-        <a:bodyPr spcFirstLastPara="0" vert="horz" wrap="square" lIns="55245" tIns="55245" rIns="55245" bIns="55245" numCol="1" spcCol="1270" anchor="ctr" anchorCtr="0">
-          <a:noAutofit/>
-        </a:bodyPr>
-        <a:lstStyle/>
-        <a:p>
-          <a:pPr lvl="0" algn="ctr" defTabSz="1289050">
-            <a:lnSpc>
-              <a:spcPct val="90000"/>
-            </a:lnSpc>
-            <a:spcBef>
-              <a:spcPct val="0"/>
-            </a:spcBef>
-            <a:spcAft>
-              <a:spcPct val="35000"/>
-            </a:spcAft>
-          </a:pPr>
-          <a:r>
-            <a:rPr lang="en-US" sz="2900" kern="1200" dirty="0" smtClean="0"/>
-            <a:t>Space Usage</a:t>
-          </a:r>
-          <a:endParaRPr lang="en-US" sz="2900" kern="1200" dirty="0"/>
-        </a:p>
-      </dsp:txBody>
-      <dsp:txXfrm>
-        <a:off x="3785815" y="322669"/>
-        <a:ext cx="1531982" cy="1210521"/>
-      </dsp:txXfrm>
-    </dsp:sp>
   </dsp:spTree>
 </dsp:drawing>
 </file>
@@ -3243,7 +2734,7 @@
           <a:p>
             <a:fld id="{FA989E66-683F-430C-8095-9C663EABEC3F}" type="datetimeFigureOut">
               <a:rPr lang="en-US" smtClean="0"/>
-              <a:t>19|7|1</a:t>
+              <a:t>19|7|4</a:t>
             </a:fld>
             <a:endParaRPr lang="en-US"/>
           </a:p>
@@ -3435,7 +2926,7 @@
           <a:p>
             <a:fld id="{FA989E66-683F-430C-8095-9C663EABEC3F}" type="datetimeFigureOut">
               <a:rPr lang="en-US" smtClean="0"/>
-              <a:t>19|7|1</a:t>
+              <a:t>19|7|4</a:t>
             </a:fld>
             <a:endParaRPr lang="en-US"/>
           </a:p>
@@ -5444,7 +4935,7 @@
           <a:p>
             <a:fld id="{FA989E66-683F-430C-8095-9C663EABEC3F}" type="datetimeFigureOut">
               <a:rPr lang="en-US" smtClean="0"/>
-              <a:t>19|7|1</a:t>
+              <a:t>19|7|4</a:t>
             </a:fld>
             <a:endParaRPr lang="en-US"/>
           </a:p>
@@ -6282,7 +5773,7 @@
           <a:p>
             <a:fld id="{FA989E66-683F-430C-8095-9C663EABEC3F}" type="datetimeFigureOut">
               <a:rPr lang="en-US" smtClean="0"/>
-              <a:t>19|7|1</a:t>
+              <a:t>19|7|4</a:t>
             </a:fld>
             <a:endParaRPr lang="en-US"/>
           </a:p>
@@ -6582,7 +6073,7 @@
           <a:p>
             <a:fld id="{FA989E66-683F-430C-8095-9C663EABEC3F}" type="datetimeFigureOut">
               <a:rPr lang="en-US" smtClean="0"/>
-              <a:t>19|7|1</a:t>
+              <a:t>19|7|4</a:t>
             </a:fld>
             <a:endParaRPr lang="en-US"/>
           </a:p>
@@ -7021,7 +6512,7 @@
           <a:p>
             <a:fld id="{FA989E66-683F-430C-8095-9C663EABEC3F}" type="datetimeFigureOut">
               <a:rPr lang="en-US" smtClean="0"/>
-              <a:t>19|7|1</a:t>
+              <a:t>19|7|4</a:t>
             </a:fld>
             <a:endParaRPr lang="en-US"/>
           </a:p>
@@ -7151,7 +6642,7 @@
           <a:p>
             <a:fld id="{FA989E66-683F-430C-8095-9C663EABEC3F}" type="datetimeFigureOut">
               <a:rPr lang="en-US" smtClean="0"/>
-              <a:t>19|7|1</a:t>
+              <a:t>19|7|4</a:t>
             </a:fld>
             <a:endParaRPr lang="en-US"/>
           </a:p>
@@ -7258,7 +6749,7 @@
           <a:p>
             <a:fld id="{FA989E66-683F-430C-8095-9C663EABEC3F}" type="datetimeFigureOut">
               <a:rPr lang="en-US" smtClean="0"/>
-              <a:t>19|7|1</a:t>
+              <a:t>19|7|4</a:t>
             </a:fld>
             <a:endParaRPr lang="en-US"/>
           </a:p>
@@ -7547,7 +7038,7 @@
           <a:p>
             <a:fld id="{FA989E66-683F-430C-8095-9C663EABEC3F}" type="datetimeFigureOut">
               <a:rPr lang="en-US" smtClean="0"/>
-              <a:t>19|7|1</a:t>
+              <a:t>19|7|4</a:t>
             </a:fld>
             <a:endParaRPr lang="en-US"/>
           </a:p>
@@ -7816,7 +7307,7 @@
           <a:p>
             <a:fld id="{FA989E66-683F-430C-8095-9C663EABEC3F}" type="datetimeFigureOut">
               <a:rPr lang="en-US" smtClean="0"/>
-              <a:t>19|7|1</a:t>
+              <a:t>19|7|4</a:t>
             </a:fld>
             <a:endParaRPr lang="en-US"/>
           </a:p>
@@ -8151,7 +7642,7 @@
           <a:p>
             <a:fld id="{FA989E66-683F-430C-8095-9C663EABEC3F}" type="datetimeFigureOut">
               <a:rPr lang="en-US" smtClean="0"/>
-              <a:t>19|7|1</a:t>
+              <a:t>19|7|4</a:t>
             </a:fld>
             <a:endParaRPr lang="en-US"/>
           </a:p>
@@ -9708,6 +9199,71 @@
     <p:extLst>
       <p:ext uri="{BB962C8B-B14F-4D97-AF65-F5344CB8AC3E}">
         <p14:creationId xmlns:p14="http://schemas.microsoft.com/office/powerpoint/2010/main" val="319799291"/>
+      </p:ext>
+    </p:extLst>
+  </p:cSld>
+  <p:clrMapOvr>
+    <a:masterClrMapping/>
+  </p:clrMapOvr>
+</p:sld>
+</file>
+
+<file path=ppt/slides/slide11.xml><?xml version="1.0" encoding="utf-8"?>
+<p:sld xmlns:a="http://schemas.openxmlformats.org/drawingml/2006/main" xmlns:r="http://schemas.openxmlformats.org/officeDocument/2006/relationships" xmlns:p="http://schemas.openxmlformats.org/presentationml/2006/main">
+  <p:cSld>
+    <p:spTree>
+      <p:nvGrpSpPr>
+        <p:cNvPr id="1" name=""/>
+        <p:cNvGrpSpPr/>
+        <p:nvPr/>
+      </p:nvGrpSpPr>
+      <p:grpSpPr>
+        <a:xfrm>
+          <a:off x="0" y="0"/>
+          <a:ext cx="0" cy="0"/>
+          <a:chOff x="0" y="0"/>
+          <a:chExt cx="0" cy="0"/>
+        </a:xfrm>
+      </p:grpSpPr>
+      <p:sp>
+        <p:nvSpPr>
+          <p:cNvPr id="4" name="TextBox 3"/>
+          <p:cNvSpPr txBox="1"/>
+          <p:nvPr/>
+        </p:nvSpPr>
+        <p:spPr>
+          <a:xfrm>
+            <a:off x="1043189" y="2382591"/>
+            <a:ext cx="9813701" cy="1200329"/>
+          </a:xfrm>
+          <a:prstGeom prst="rect">
+            <a:avLst/>
+          </a:prstGeom>
+          <a:noFill/>
+        </p:spPr>
+        <p:txBody>
+          <a:bodyPr wrap="square" rtlCol="0">
+            <a:spAutoFit/>
+          </a:bodyPr>
+          <a:lstStyle/>
+          <a:p>
+            <a:pPr algn="ctr"/>
+            <a:r>
+              <a:rPr lang="en-US" sz="7200" dirty="0" smtClean="0">
+                <a:latin typeface="Alaqua" pitchFamily="50" charset="0"/>
+              </a:rPr>
+              <a:t>THANK YOU</a:t>
+            </a:r>
+            <a:endParaRPr lang="en-US" sz="7200" dirty="0">
+              <a:latin typeface="Alaqua" pitchFamily="50" charset="0"/>
+            </a:endParaRPr>
+          </a:p>
+        </p:txBody>
+      </p:sp>
+    </p:spTree>
+    <p:extLst>
+      <p:ext uri="{BB962C8B-B14F-4D97-AF65-F5344CB8AC3E}">
+        <p14:creationId xmlns:p14="http://schemas.microsoft.com/office/powerpoint/2010/main" val="2690650320"/>
       </p:ext>
     </p:extLst>
   </p:cSld>
@@ -12651,7 +12207,6 @@
               <a:rPr lang="en-US" dirty="0"/>
               <a:t>on the inherent efficiency of the algorithm and how it varies according to the size of the input.</a:t>
             </a:r>
-            <a:endParaRPr lang="en-US" dirty="0"/>
           </a:p>
         </p:txBody>
       </p:sp>

--- a/growth_function.pptx
+++ b/growth_function.pptx
@@ -1115,6 +1115,516 @@
       <dsp:cNvGrpSpPr/>
     </dsp:nvGrpSpPr>
     <dsp:grpSpPr/>
+    <dsp:sp modelId="{DC246CAE-15B2-497E-8802-DB0B353F8354}">
+      <dsp:nvSpPr>
+        <dsp:cNvPr id="0" name=""/>
+        <dsp:cNvSpPr/>
+      </dsp:nvSpPr>
+      <dsp:spPr>
+        <a:xfrm>
+          <a:off x="1834287" y="1392468"/>
+          <a:ext cx="1691899" cy="1691899"/>
+        </a:xfrm>
+        <a:prstGeom prst="ellipse">
+          <a:avLst/>
+        </a:prstGeom>
+        <a:gradFill rotWithShape="0">
+          <a:gsLst>
+            <a:gs pos="0">
+              <a:schemeClr val="dk2">
+                <a:hueOff val="0"/>
+                <a:satOff val="0"/>
+                <a:lumOff val="0"/>
+                <a:alphaOff val="0"/>
+                <a:shade val="51000"/>
+                <a:satMod val="130000"/>
+              </a:schemeClr>
+            </a:gs>
+            <a:gs pos="80000">
+              <a:schemeClr val="dk2">
+                <a:hueOff val="0"/>
+                <a:satOff val="0"/>
+                <a:lumOff val="0"/>
+                <a:alphaOff val="0"/>
+                <a:shade val="93000"/>
+                <a:satMod val="130000"/>
+              </a:schemeClr>
+            </a:gs>
+            <a:gs pos="100000">
+              <a:schemeClr val="dk2">
+                <a:hueOff val="0"/>
+                <a:satOff val="0"/>
+                <a:lumOff val="0"/>
+                <a:alphaOff val="0"/>
+                <a:shade val="94000"/>
+                <a:satMod val="135000"/>
+              </a:schemeClr>
+            </a:gs>
+          </a:gsLst>
+          <a:lin ang="16200000" scaled="0"/>
+        </a:gradFill>
+        <a:ln>
+          <a:noFill/>
+        </a:ln>
+        <a:effectLst>
+          <a:outerShdw blurRad="40000" dist="23000" dir="5400000" rotWithShape="0">
+            <a:srgbClr val="000000">
+              <a:alpha val="35000"/>
+            </a:srgbClr>
+          </a:outerShdw>
+        </a:effectLst>
+        <a:scene3d>
+          <a:camera prst="orthographicFront"/>
+          <a:lightRig rig="flat" dir="t"/>
+        </a:scene3d>
+        <a:sp3d prstMaterial="plastic">
+          <a:bevelT w="120900" h="88900"/>
+          <a:bevelB w="88900" h="31750" prst="angle"/>
+        </a:sp3d>
+      </dsp:spPr>
+      <dsp:style>
+        <a:lnRef idx="0">
+          <a:scrgbClr r="0" g="0" b="0"/>
+        </a:lnRef>
+        <a:fillRef idx="3">
+          <a:scrgbClr r="0" g="0" b="0"/>
+        </a:fillRef>
+        <a:effectRef idx="2">
+          <a:scrgbClr r="0" g="0" b="0"/>
+        </a:effectRef>
+        <a:fontRef idx="minor">
+          <a:schemeClr val="lt1"/>
+        </a:fontRef>
+      </dsp:style>
+      <dsp:txBody>
+        <a:bodyPr spcFirstLastPara="0" vert="horz" wrap="square" lIns="13335" tIns="13335" rIns="13335" bIns="13335" numCol="1" spcCol="1270" anchor="ctr" anchorCtr="0">
+          <a:noAutofit/>
+        </a:bodyPr>
+        <a:lstStyle/>
+        <a:p>
+          <a:pPr lvl="0" algn="ctr" defTabSz="933450">
+            <a:lnSpc>
+              <a:spcPct val="90000"/>
+            </a:lnSpc>
+            <a:spcBef>
+              <a:spcPct val="0"/>
+            </a:spcBef>
+            <a:spcAft>
+              <a:spcPct val="35000"/>
+            </a:spcAft>
+          </a:pPr>
+          <a:r>
+            <a:rPr lang="en-US" sz="2100" kern="1200" dirty="0" smtClean="0"/>
+            <a:t>Efficiency</a:t>
+          </a:r>
+          <a:endParaRPr lang="en-US" sz="2100" kern="1200" dirty="0"/>
+        </a:p>
+      </dsp:txBody>
+      <dsp:txXfrm>
+        <a:off x="2082060" y="1640241"/>
+        <a:ext cx="1196353" cy="1196353"/>
+      </dsp:txXfrm>
+    </dsp:sp>
+    <dsp:sp modelId="{613A7A6C-EC6F-4AE0-89A3-35E80729058A}">
+      <dsp:nvSpPr>
+        <dsp:cNvPr id="0" name=""/>
+        <dsp:cNvSpPr/>
+      </dsp:nvSpPr>
+      <dsp:spPr>
+        <a:xfrm rot="12900000">
+          <a:off x="685718" y="1076774"/>
+          <a:ext cx="1359680" cy="482191"/>
+        </a:xfrm>
+        <a:prstGeom prst="leftArrow">
+          <a:avLst>
+            <a:gd name="adj1" fmla="val 60000"/>
+            <a:gd name="adj2" fmla="val 50000"/>
+          </a:avLst>
+        </a:prstGeom>
+        <a:gradFill rotWithShape="0">
+          <a:gsLst>
+            <a:gs pos="0">
+              <a:schemeClr val="dk2">
+                <a:tint val="60000"/>
+                <a:hueOff val="0"/>
+                <a:satOff val="0"/>
+                <a:lumOff val="0"/>
+                <a:alphaOff val="0"/>
+                <a:shade val="51000"/>
+                <a:satMod val="130000"/>
+              </a:schemeClr>
+            </a:gs>
+            <a:gs pos="80000">
+              <a:schemeClr val="dk2">
+                <a:tint val="60000"/>
+                <a:hueOff val="0"/>
+                <a:satOff val="0"/>
+                <a:lumOff val="0"/>
+                <a:alphaOff val="0"/>
+                <a:shade val="93000"/>
+                <a:satMod val="130000"/>
+              </a:schemeClr>
+            </a:gs>
+            <a:gs pos="100000">
+              <a:schemeClr val="dk2">
+                <a:tint val="60000"/>
+                <a:hueOff val="0"/>
+                <a:satOff val="0"/>
+                <a:lumOff val="0"/>
+                <a:alphaOff val="0"/>
+                <a:shade val="94000"/>
+                <a:satMod val="135000"/>
+              </a:schemeClr>
+            </a:gs>
+          </a:gsLst>
+          <a:lin ang="16200000" scaled="0"/>
+        </a:gradFill>
+        <a:ln>
+          <a:noFill/>
+        </a:ln>
+        <a:effectLst>
+          <a:outerShdw blurRad="40000" dist="23000" dir="5400000" rotWithShape="0">
+            <a:srgbClr val="000000">
+              <a:alpha val="35000"/>
+            </a:srgbClr>
+          </a:outerShdw>
+        </a:effectLst>
+        <a:scene3d>
+          <a:camera prst="orthographicFront"/>
+          <a:lightRig rig="flat" dir="t"/>
+        </a:scene3d>
+        <a:sp3d z="-190500" prstMaterial="plastic">
+          <a:bevelT w="50800" h="50800"/>
+          <a:bevelB w="25400" h="25400" prst="angle"/>
+        </a:sp3d>
+      </dsp:spPr>
+      <dsp:style>
+        <a:lnRef idx="0">
+          <a:scrgbClr r="0" g="0" b="0"/>
+        </a:lnRef>
+        <a:fillRef idx="3">
+          <a:scrgbClr r="0" g="0" b="0"/>
+        </a:fillRef>
+        <a:effectRef idx="2">
+          <a:scrgbClr r="0" g="0" b="0"/>
+        </a:effectRef>
+        <a:fontRef idx="minor">
+          <a:schemeClr val="lt1"/>
+        </a:fontRef>
+      </dsp:style>
+    </dsp:sp>
+    <dsp:sp modelId="{DB6CEFB5-779A-477C-8CD6-DAEBB35E46C5}">
+      <dsp:nvSpPr>
+        <dsp:cNvPr id="0" name=""/>
+        <dsp:cNvSpPr/>
+      </dsp:nvSpPr>
+      <dsp:spPr>
+        <a:xfrm>
+          <a:off x="5014" y="285008"/>
+          <a:ext cx="1607304" cy="1285843"/>
+        </a:xfrm>
+        <a:prstGeom prst="roundRect">
+          <a:avLst>
+            <a:gd name="adj" fmla="val 10000"/>
+          </a:avLst>
+        </a:prstGeom>
+        <a:gradFill rotWithShape="0">
+          <a:gsLst>
+            <a:gs pos="0">
+              <a:schemeClr val="dk2">
+                <a:hueOff val="0"/>
+                <a:satOff val="0"/>
+                <a:lumOff val="0"/>
+                <a:alphaOff val="0"/>
+                <a:shade val="51000"/>
+                <a:satMod val="130000"/>
+              </a:schemeClr>
+            </a:gs>
+            <a:gs pos="80000">
+              <a:schemeClr val="dk2">
+                <a:hueOff val="0"/>
+                <a:satOff val="0"/>
+                <a:lumOff val="0"/>
+                <a:alphaOff val="0"/>
+                <a:shade val="93000"/>
+                <a:satMod val="130000"/>
+              </a:schemeClr>
+            </a:gs>
+            <a:gs pos="100000">
+              <a:schemeClr val="dk2">
+                <a:hueOff val="0"/>
+                <a:satOff val="0"/>
+                <a:lumOff val="0"/>
+                <a:alphaOff val="0"/>
+                <a:shade val="94000"/>
+                <a:satMod val="135000"/>
+              </a:schemeClr>
+            </a:gs>
+          </a:gsLst>
+          <a:lin ang="16200000" scaled="0"/>
+        </a:gradFill>
+        <a:ln>
+          <a:noFill/>
+        </a:ln>
+        <a:effectLst>
+          <a:outerShdw blurRad="40000" dist="23000" dir="5400000" rotWithShape="0">
+            <a:srgbClr val="000000">
+              <a:alpha val="35000"/>
+            </a:srgbClr>
+          </a:outerShdw>
+        </a:effectLst>
+        <a:scene3d>
+          <a:camera prst="orthographicFront"/>
+          <a:lightRig rig="flat" dir="t"/>
+        </a:scene3d>
+        <a:sp3d prstMaterial="plastic">
+          <a:bevelT w="120900" h="88900"/>
+          <a:bevelB w="88900" h="31750" prst="angle"/>
+        </a:sp3d>
+      </dsp:spPr>
+      <dsp:style>
+        <a:lnRef idx="0">
+          <a:scrgbClr r="0" g="0" b="0"/>
+        </a:lnRef>
+        <a:fillRef idx="3">
+          <a:scrgbClr r="0" g="0" b="0"/>
+        </a:fillRef>
+        <a:effectRef idx="2">
+          <a:scrgbClr r="0" g="0" b="0"/>
+        </a:effectRef>
+        <a:fontRef idx="minor">
+          <a:schemeClr val="lt1"/>
+        </a:fontRef>
+      </dsp:style>
+      <dsp:txBody>
+        <a:bodyPr spcFirstLastPara="0" vert="horz" wrap="square" lIns="55245" tIns="55245" rIns="55245" bIns="55245" numCol="1" spcCol="1270" anchor="ctr" anchorCtr="0">
+          <a:noAutofit/>
+        </a:bodyPr>
+        <a:lstStyle/>
+        <a:p>
+          <a:pPr lvl="0" algn="ctr" defTabSz="1289050">
+            <a:lnSpc>
+              <a:spcPct val="90000"/>
+            </a:lnSpc>
+            <a:spcBef>
+              <a:spcPct val="0"/>
+            </a:spcBef>
+            <a:spcAft>
+              <a:spcPct val="35000"/>
+            </a:spcAft>
+          </a:pPr>
+          <a:r>
+            <a:rPr lang="en-US" sz="2900" kern="1200" dirty="0" smtClean="0"/>
+            <a:t>Running Time</a:t>
+          </a:r>
+          <a:endParaRPr lang="en-US" sz="2900" kern="1200" dirty="0"/>
+        </a:p>
+      </dsp:txBody>
+      <dsp:txXfrm>
+        <a:off x="42675" y="322669"/>
+        <a:ext cx="1531982" cy="1210521"/>
+      </dsp:txXfrm>
+    </dsp:sp>
+    <dsp:sp modelId="{04435051-C33A-4A19-9BB2-100C1287B805}">
+      <dsp:nvSpPr>
+        <dsp:cNvPr id="0" name=""/>
+        <dsp:cNvSpPr/>
+      </dsp:nvSpPr>
+      <dsp:spPr>
+        <a:xfrm rot="19500000">
+          <a:off x="3315074" y="1076774"/>
+          <a:ext cx="1359680" cy="482191"/>
+        </a:xfrm>
+        <a:prstGeom prst="leftArrow">
+          <a:avLst>
+            <a:gd name="adj1" fmla="val 60000"/>
+            <a:gd name="adj2" fmla="val 50000"/>
+          </a:avLst>
+        </a:prstGeom>
+        <a:gradFill rotWithShape="0">
+          <a:gsLst>
+            <a:gs pos="0">
+              <a:schemeClr val="dk2">
+                <a:tint val="60000"/>
+                <a:hueOff val="0"/>
+                <a:satOff val="0"/>
+                <a:lumOff val="0"/>
+                <a:alphaOff val="0"/>
+                <a:shade val="51000"/>
+                <a:satMod val="130000"/>
+              </a:schemeClr>
+            </a:gs>
+            <a:gs pos="80000">
+              <a:schemeClr val="dk2">
+                <a:tint val="60000"/>
+                <a:hueOff val="0"/>
+                <a:satOff val="0"/>
+                <a:lumOff val="0"/>
+                <a:alphaOff val="0"/>
+                <a:shade val="93000"/>
+                <a:satMod val="130000"/>
+              </a:schemeClr>
+            </a:gs>
+            <a:gs pos="100000">
+              <a:schemeClr val="dk2">
+                <a:tint val="60000"/>
+                <a:hueOff val="0"/>
+                <a:satOff val="0"/>
+                <a:lumOff val="0"/>
+                <a:alphaOff val="0"/>
+                <a:shade val="94000"/>
+                <a:satMod val="135000"/>
+              </a:schemeClr>
+            </a:gs>
+          </a:gsLst>
+          <a:lin ang="16200000" scaled="0"/>
+        </a:gradFill>
+        <a:ln>
+          <a:noFill/>
+        </a:ln>
+        <a:effectLst>
+          <a:outerShdw blurRad="40000" dist="23000" dir="5400000" rotWithShape="0">
+            <a:srgbClr val="000000">
+              <a:alpha val="35000"/>
+            </a:srgbClr>
+          </a:outerShdw>
+        </a:effectLst>
+        <a:scene3d>
+          <a:camera prst="orthographicFront"/>
+          <a:lightRig rig="flat" dir="t"/>
+        </a:scene3d>
+        <a:sp3d z="-190500" prstMaterial="plastic">
+          <a:bevelT w="50800" h="50800"/>
+          <a:bevelB w="25400" h="25400" prst="angle"/>
+        </a:sp3d>
+      </dsp:spPr>
+      <dsp:style>
+        <a:lnRef idx="0">
+          <a:scrgbClr r="0" g="0" b="0"/>
+        </a:lnRef>
+        <a:fillRef idx="3">
+          <a:scrgbClr r="0" g="0" b="0"/>
+        </a:fillRef>
+        <a:effectRef idx="2">
+          <a:scrgbClr r="0" g="0" b="0"/>
+        </a:effectRef>
+        <a:fontRef idx="minor">
+          <a:schemeClr val="lt1"/>
+        </a:fontRef>
+      </dsp:style>
+    </dsp:sp>
+    <dsp:sp modelId="{E3237364-052C-4B37-B9CF-4A5574D86F98}">
+      <dsp:nvSpPr>
+        <dsp:cNvPr id="0" name=""/>
+        <dsp:cNvSpPr/>
+      </dsp:nvSpPr>
+      <dsp:spPr>
+        <a:xfrm>
+          <a:off x="3748154" y="285008"/>
+          <a:ext cx="1607304" cy="1285843"/>
+        </a:xfrm>
+        <a:prstGeom prst="roundRect">
+          <a:avLst>
+            <a:gd name="adj" fmla="val 10000"/>
+          </a:avLst>
+        </a:prstGeom>
+        <a:gradFill rotWithShape="0">
+          <a:gsLst>
+            <a:gs pos="0">
+              <a:schemeClr val="dk2">
+                <a:hueOff val="0"/>
+                <a:satOff val="0"/>
+                <a:lumOff val="0"/>
+                <a:alphaOff val="0"/>
+                <a:shade val="51000"/>
+                <a:satMod val="130000"/>
+              </a:schemeClr>
+            </a:gs>
+            <a:gs pos="80000">
+              <a:schemeClr val="dk2">
+                <a:hueOff val="0"/>
+                <a:satOff val="0"/>
+                <a:lumOff val="0"/>
+                <a:alphaOff val="0"/>
+                <a:shade val="93000"/>
+                <a:satMod val="130000"/>
+              </a:schemeClr>
+            </a:gs>
+            <a:gs pos="100000">
+              <a:schemeClr val="dk2">
+                <a:hueOff val="0"/>
+                <a:satOff val="0"/>
+                <a:lumOff val="0"/>
+                <a:alphaOff val="0"/>
+                <a:shade val="94000"/>
+                <a:satMod val="135000"/>
+              </a:schemeClr>
+            </a:gs>
+          </a:gsLst>
+          <a:lin ang="16200000" scaled="0"/>
+        </a:gradFill>
+        <a:ln>
+          <a:noFill/>
+        </a:ln>
+        <a:effectLst>
+          <a:outerShdw blurRad="40000" dist="23000" dir="5400000" rotWithShape="0">
+            <a:srgbClr val="000000">
+              <a:alpha val="35000"/>
+            </a:srgbClr>
+          </a:outerShdw>
+        </a:effectLst>
+        <a:scene3d>
+          <a:camera prst="orthographicFront"/>
+          <a:lightRig rig="flat" dir="t"/>
+        </a:scene3d>
+        <a:sp3d prstMaterial="plastic">
+          <a:bevelT w="120900" h="88900"/>
+          <a:bevelB w="88900" h="31750" prst="angle"/>
+        </a:sp3d>
+      </dsp:spPr>
+      <dsp:style>
+        <a:lnRef idx="0">
+          <a:scrgbClr r="0" g="0" b="0"/>
+        </a:lnRef>
+        <a:fillRef idx="3">
+          <a:scrgbClr r="0" g="0" b="0"/>
+        </a:fillRef>
+        <a:effectRef idx="2">
+          <a:scrgbClr r="0" g="0" b="0"/>
+        </a:effectRef>
+        <a:fontRef idx="minor">
+          <a:schemeClr val="lt1"/>
+        </a:fontRef>
+      </dsp:style>
+      <dsp:txBody>
+        <a:bodyPr spcFirstLastPara="0" vert="horz" wrap="square" lIns="55245" tIns="55245" rIns="55245" bIns="55245" numCol="1" spcCol="1270" anchor="ctr" anchorCtr="0">
+          <a:noAutofit/>
+        </a:bodyPr>
+        <a:lstStyle/>
+        <a:p>
+          <a:pPr lvl="0" algn="ctr" defTabSz="1289050">
+            <a:lnSpc>
+              <a:spcPct val="90000"/>
+            </a:lnSpc>
+            <a:spcBef>
+              <a:spcPct val="0"/>
+            </a:spcBef>
+            <a:spcAft>
+              <a:spcPct val="35000"/>
+            </a:spcAft>
+          </a:pPr>
+          <a:r>
+            <a:rPr lang="en-US" sz="2900" kern="1200" dirty="0" smtClean="0"/>
+            <a:t>Space Usage</a:t>
+          </a:r>
+          <a:endParaRPr lang="en-US" sz="2900" kern="1200" dirty="0"/>
+        </a:p>
+      </dsp:txBody>
+      <dsp:txXfrm>
+        <a:off x="3785815" y="322669"/>
+        <a:ext cx="1531982" cy="1210521"/>
+      </dsp:txXfrm>
+    </dsp:sp>
   </dsp:spTree>
 </dsp:drawing>
 </file>
@@ -2734,7 +3244,7 @@
           <a:p>
             <a:fld id="{FA989E66-683F-430C-8095-9C663EABEC3F}" type="datetimeFigureOut">
               <a:rPr lang="en-US" smtClean="0"/>
-              <a:t>19|7|4</a:t>
+              <a:t>7/5/2019</a:t>
             </a:fld>
             <a:endParaRPr lang="en-US"/>
           </a:p>
@@ -2926,7 +3436,7 @@
           <a:p>
             <a:fld id="{FA989E66-683F-430C-8095-9C663EABEC3F}" type="datetimeFigureOut">
               <a:rPr lang="en-US" smtClean="0"/>
-              <a:t>19|7|4</a:t>
+              <a:t>7/5/2019</a:t>
             </a:fld>
             <a:endParaRPr lang="en-US"/>
           </a:p>
@@ -4935,7 +5445,7 @@
           <a:p>
             <a:fld id="{FA989E66-683F-430C-8095-9C663EABEC3F}" type="datetimeFigureOut">
               <a:rPr lang="en-US" smtClean="0"/>
-              <a:t>19|7|4</a:t>
+              <a:t>7/5/2019</a:t>
             </a:fld>
             <a:endParaRPr lang="en-US"/>
           </a:p>
@@ -5773,7 +6283,7 @@
           <a:p>
             <a:fld id="{FA989E66-683F-430C-8095-9C663EABEC3F}" type="datetimeFigureOut">
               <a:rPr lang="en-US" smtClean="0"/>
-              <a:t>19|7|4</a:t>
+              <a:t>7/5/2019</a:t>
             </a:fld>
             <a:endParaRPr lang="en-US"/>
           </a:p>
@@ -6073,7 +6583,7 @@
           <a:p>
             <a:fld id="{FA989E66-683F-430C-8095-9C663EABEC3F}" type="datetimeFigureOut">
               <a:rPr lang="en-US" smtClean="0"/>
-              <a:t>19|7|4</a:t>
+              <a:t>7/5/2019</a:t>
             </a:fld>
             <a:endParaRPr lang="en-US"/>
           </a:p>
@@ -6512,7 +7022,7 @@
           <a:p>
             <a:fld id="{FA989E66-683F-430C-8095-9C663EABEC3F}" type="datetimeFigureOut">
               <a:rPr lang="en-US" smtClean="0"/>
-              <a:t>19|7|4</a:t>
+              <a:t>7/5/2019</a:t>
             </a:fld>
             <a:endParaRPr lang="en-US"/>
           </a:p>
@@ -6642,7 +7152,7 @@
           <a:p>
             <a:fld id="{FA989E66-683F-430C-8095-9C663EABEC3F}" type="datetimeFigureOut">
               <a:rPr lang="en-US" smtClean="0"/>
-              <a:t>19|7|4</a:t>
+              <a:t>7/5/2019</a:t>
             </a:fld>
             <a:endParaRPr lang="en-US"/>
           </a:p>
@@ -6749,7 +7259,7 @@
           <a:p>
             <a:fld id="{FA989E66-683F-430C-8095-9C663EABEC3F}" type="datetimeFigureOut">
               <a:rPr lang="en-US" smtClean="0"/>
-              <a:t>19|7|4</a:t>
+              <a:t>7/5/2019</a:t>
             </a:fld>
             <a:endParaRPr lang="en-US"/>
           </a:p>
@@ -7038,7 +7548,7 @@
           <a:p>
             <a:fld id="{FA989E66-683F-430C-8095-9C663EABEC3F}" type="datetimeFigureOut">
               <a:rPr lang="en-US" smtClean="0"/>
-              <a:t>19|7|4</a:t>
+              <a:t>7/5/2019</a:t>
             </a:fld>
             <a:endParaRPr lang="en-US"/>
           </a:p>
@@ -7307,7 +7817,7 @@
           <a:p>
             <a:fld id="{FA989E66-683F-430C-8095-9C663EABEC3F}" type="datetimeFigureOut">
               <a:rPr lang="en-US" smtClean="0"/>
-              <a:t>19|7|4</a:t>
+              <a:t>7/5/2019</a:t>
             </a:fld>
             <a:endParaRPr lang="en-US"/>
           </a:p>
@@ -7642,7 +8152,7 @@
           <a:p>
             <a:fld id="{FA989E66-683F-430C-8095-9C663EABEC3F}" type="datetimeFigureOut">
               <a:rPr lang="en-US" smtClean="0"/>
-              <a:t>19|7|4</a:t>
+              <a:t>7/5/2019</a:t>
             </a:fld>
             <a:endParaRPr lang="en-US"/>
           </a:p>
